--- a/ME EN 6960_Group4_Exp3_Nick.pptx
+++ b/ME EN 6960_Group4_Exp3_Nick.pptx
@@ -209,7 +209,7 @@
           <a:p>
             <a:fld id="{5C73A040-77B1-4F8B-AE98-78169984260A}" type="datetimeFigureOut">
               <a:rPr lang="en-US" smtClean="0"/>
-              <a:t>4/29/2018</a:t>
+              <a:t>4/30/2018</a:t>
             </a:fld>
             <a:endParaRPr lang="en-US"/>
           </a:p>
@@ -775,7 +775,7 @@
           <a:p>
             <a:fld id="{863C1D4E-C5AF-4958-8175-3521F4A5BF79}" type="datetimeFigureOut">
               <a:rPr lang="en-US" smtClean="0"/>
-              <a:t>4/29/2018</a:t>
+              <a:t>4/30/2018</a:t>
             </a:fld>
             <a:endParaRPr lang="en-US"/>
           </a:p>
@@ -945,7 +945,7 @@
           <a:p>
             <a:fld id="{863C1D4E-C5AF-4958-8175-3521F4A5BF79}" type="datetimeFigureOut">
               <a:rPr lang="en-US" smtClean="0"/>
-              <a:t>4/29/2018</a:t>
+              <a:t>4/30/2018</a:t>
             </a:fld>
             <a:endParaRPr lang="en-US"/>
           </a:p>
@@ -1125,7 +1125,7 @@
           <a:p>
             <a:fld id="{863C1D4E-C5AF-4958-8175-3521F4A5BF79}" type="datetimeFigureOut">
               <a:rPr lang="en-US" smtClean="0"/>
-              <a:t>4/29/2018</a:t>
+              <a:t>4/30/2018</a:t>
             </a:fld>
             <a:endParaRPr lang="en-US"/>
           </a:p>
@@ -1295,7 +1295,7 @@
           <a:p>
             <a:fld id="{863C1D4E-C5AF-4958-8175-3521F4A5BF79}" type="datetimeFigureOut">
               <a:rPr lang="en-US" smtClean="0"/>
-              <a:t>4/29/2018</a:t>
+              <a:t>4/30/2018</a:t>
             </a:fld>
             <a:endParaRPr lang="en-US"/>
           </a:p>
@@ -1539,7 +1539,7 @@
           <a:p>
             <a:fld id="{863C1D4E-C5AF-4958-8175-3521F4A5BF79}" type="datetimeFigureOut">
               <a:rPr lang="en-US" smtClean="0"/>
-              <a:t>4/29/2018</a:t>
+              <a:t>4/30/2018</a:t>
             </a:fld>
             <a:endParaRPr lang="en-US"/>
           </a:p>
@@ -1771,7 +1771,7 @@
           <a:p>
             <a:fld id="{863C1D4E-C5AF-4958-8175-3521F4A5BF79}" type="datetimeFigureOut">
               <a:rPr lang="en-US" smtClean="0"/>
-              <a:t>4/29/2018</a:t>
+              <a:t>4/30/2018</a:t>
             </a:fld>
             <a:endParaRPr lang="en-US"/>
           </a:p>
@@ -2138,7 +2138,7 @@
           <a:p>
             <a:fld id="{863C1D4E-C5AF-4958-8175-3521F4A5BF79}" type="datetimeFigureOut">
               <a:rPr lang="en-US" smtClean="0"/>
-              <a:t>4/29/2018</a:t>
+              <a:t>4/30/2018</a:t>
             </a:fld>
             <a:endParaRPr lang="en-US"/>
           </a:p>
@@ -2256,7 +2256,7 @@
           <a:p>
             <a:fld id="{863C1D4E-C5AF-4958-8175-3521F4A5BF79}" type="datetimeFigureOut">
               <a:rPr lang="en-US" smtClean="0"/>
-              <a:t>4/29/2018</a:t>
+              <a:t>4/30/2018</a:t>
             </a:fld>
             <a:endParaRPr lang="en-US"/>
           </a:p>
@@ -2351,7 +2351,7 @@
           <a:p>
             <a:fld id="{863C1D4E-C5AF-4958-8175-3521F4A5BF79}" type="datetimeFigureOut">
               <a:rPr lang="en-US" smtClean="0"/>
-              <a:t>4/29/2018</a:t>
+              <a:t>4/30/2018</a:t>
             </a:fld>
             <a:endParaRPr lang="en-US"/>
           </a:p>
@@ -2628,7 +2628,7 @@
           <a:p>
             <a:fld id="{863C1D4E-C5AF-4958-8175-3521F4A5BF79}" type="datetimeFigureOut">
               <a:rPr lang="en-US" smtClean="0"/>
-              <a:t>4/29/2018</a:t>
+              <a:t>4/30/2018</a:t>
             </a:fld>
             <a:endParaRPr lang="en-US"/>
           </a:p>
@@ -2885,7 +2885,7 @@
           <a:p>
             <a:fld id="{863C1D4E-C5AF-4958-8175-3521F4A5BF79}" type="datetimeFigureOut">
               <a:rPr lang="en-US" smtClean="0"/>
-              <a:t>4/29/2018</a:t>
+              <a:t>4/30/2018</a:t>
             </a:fld>
             <a:endParaRPr lang="en-US"/>
           </a:p>
@@ -3098,7 +3098,7 @@
           <a:p>
             <a:fld id="{863C1D4E-C5AF-4958-8175-3521F4A5BF79}" type="datetimeFigureOut">
               <a:rPr lang="en-US" smtClean="0"/>
-              <a:t>4/29/2018</a:t>
+              <a:t>4/30/2018</a:t>
             </a:fld>
             <a:endParaRPr lang="en-US"/>
           </a:p>
@@ -3923,7 +3923,7 @@
                   <a:schemeClr val="bg1"/>
                 </a:solidFill>
               </a:rPr>
-              <a:t>11</a:t>
+              <a:t>10</a:t>
             </a:r>
           </a:p>
         </p:txBody>
@@ -4393,7 +4393,7 @@
                   <a:schemeClr val="bg1"/>
                 </a:solidFill>
               </a:rPr>
-              <a:t>12</a:t>
+              <a:t>11</a:t>
             </a:r>
           </a:p>
         </p:txBody>
@@ -4843,7 +4843,7 @@
                   <a:schemeClr val="bg1"/>
                 </a:solidFill>
               </a:rPr>
-              <a:t>13</a:t>
+              <a:t>12</a:t>
             </a:r>
           </a:p>
         </p:txBody>
@@ -5261,7 +5261,7 @@
                   <a:schemeClr val="bg1"/>
                 </a:solidFill>
               </a:rPr>
-              <a:t>14</a:t>
+              <a:t>13</a:t>
             </a:r>
           </a:p>
         </p:txBody>
@@ -7315,7 +7315,7 @@
                   <a:schemeClr val="bg1"/>
                 </a:solidFill>
               </a:rPr>
-              <a:t>6</a:t>
+              <a:t>4</a:t>
             </a:r>
           </a:p>
         </p:txBody>
@@ -7416,39 +7416,6 @@
             <a:r>
               <a:rPr lang="en-US" sz="3600" dirty="0"/>
               <a:t>Split Hopkinson Pressure Bar (SHPB)</a:t>
-            </a:r>
-          </a:p>
-        </p:txBody>
-      </p:sp>
-      <p:sp>
-        <p:nvSpPr>
-          <p:cNvPr id="17" name="TextBox 16"/>
-          <p:cNvSpPr txBox="1"/>
-          <p:nvPr/>
-        </p:nvSpPr>
-        <p:spPr>
-          <a:xfrm>
-            <a:off x="60960" y="16316"/>
-            <a:ext cx="1891608" cy="338554"/>
-          </a:xfrm>
-          <a:prstGeom prst="rect">
-            <a:avLst/>
-          </a:prstGeom>
-          <a:noFill/>
-        </p:spPr>
-        <p:txBody>
-          <a:bodyPr wrap="none" rtlCol="0">
-            <a:spAutoFit/>
-          </a:bodyPr>
-          <a:lstStyle/>
-          <a:p>
-            <a:r>
-              <a:rPr lang="en-US" sz="1600" dirty="0">
-                <a:solidFill>
-                  <a:schemeClr val="bg1"/>
-                </a:solidFill>
-              </a:rPr>
-              <a:t>Methods: Test Setup</a:t>
             </a:r>
           </a:p>
         </p:txBody>
@@ -7676,6 +7643,45 @@
               <a:buChar char="•"/>
             </a:pPr>
             <a:endParaRPr lang="en-US" dirty="0"/>
+          </a:p>
+        </p:txBody>
+      </p:sp>
+      <p:sp>
+        <p:nvSpPr>
+          <p:cNvPr id="14" name="TextBox 13">
+            <a:extLst>
+              <a:ext uri="{FF2B5EF4-FFF2-40B4-BE49-F238E27FC236}">
+                <a16:creationId xmlns:a16="http://schemas.microsoft.com/office/drawing/2014/main" id="{8AE4BE10-11BA-4E22-81FA-9BD3DF95EF5A}"/>
+              </a:ext>
+            </a:extLst>
+          </p:cNvPr>
+          <p:cNvSpPr txBox="1"/>
+          <p:nvPr/>
+        </p:nvSpPr>
+        <p:spPr>
+          <a:xfrm>
+            <a:off x="60960" y="16316"/>
+            <a:ext cx="3713452" cy="338554"/>
+          </a:xfrm>
+          <a:prstGeom prst="rect">
+            <a:avLst/>
+          </a:prstGeom>
+          <a:noFill/>
+        </p:spPr>
+        <p:txBody>
+          <a:bodyPr wrap="none" rtlCol="0">
+            <a:spAutoFit/>
+          </a:bodyPr>
+          <a:lstStyle/>
+          <a:p>
+            <a:r>
+              <a:rPr lang="en-US" sz="1600" dirty="0">
+                <a:solidFill>
+                  <a:schemeClr val="bg1"/>
+                </a:solidFill>
+              </a:rPr>
+              <a:t>Introduction: Split Hopkinson Pressure Bar</a:t>
+            </a:r>
           </a:p>
         </p:txBody>
       </p:sp>
@@ -7783,7 +7789,7 @@
                   <a:schemeClr val="bg1"/>
                 </a:solidFill>
               </a:rPr>
-              <a:t>4</a:t>
+              <a:t>5</a:t>
             </a:r>
           </a:p>
         </p:txBody>
@@ -8311,7 +8317,7 @@
                   <a:schemeClr val="bg1"/>
                 </a:solidFill>
               </a:rPr>
-              <a:t>8</a:t>
+              <a:t>6</a:t>
             </a:r>
           </a:p>
         </p:txBody>
@@ -8849,7 +8855,7 @@
                   <a:schemeClr val="bg1"/>
                 </a:solidFill>
               </a:rPr>
-              <a:t>9</a:t>
+              <a:t>7</a:t>
             </a:r>
           </a:p>
         </p:txBody>
@@ -9528,7 +9534,7 @@
                   <a:schemeClr val="bg1"/>
                 </a:solidFill>
               </a:rPr>
-              <a:t>7</a:t>
+              <a:t>8</a:t>
             </a:r>
           </a:p>
         </p:txBody>
@@ -9930,7 +9936,7 @@
         <p:spPr>
           <a:xfrm>
             <a:off x="8741180" y="-6"/>
-            <a:ext cx="418704" cy="369332"/>
+            <a:ext cx="301686" cy="369332"/>
           </a:xfrm>
           <a:prstGeom prst="rect">
             <a:avLst/>
@@ -9949,7 +9955,7 @@
                   <a:schemeClr val="bg1"/>
                 </a:solidFill>
               </a:rPr>
-              <a:t>10</a:t>
+              <a:t>9</a:t>
             </a:r>
           </a:p>
         </p:txBody>

--- a/ME EN 6960_Group4_Exp3_Nick.pptx
+++ b/ME EN 6960_Group4_Exp3_Nick.pptx
@@ -4030,35 +4030,6 @@
       </p:sp>
       <p:sp>
         <p:nvSpPr>
-          <p:cNvPr id="16" name="TextBox 15"/>
-          <p:cNvSpPr txBox="1"/>
-          <p:nvPr/>
-        </p:nvSpPr>
-        <p:spPr>
-          <a:xfrm>
-            <a:off x="85899" y="6099001"/>
-            <a:ext cx="1816395" cy="307777"/>
-          </a:xfrm>
-          <a:prstGeom prst="rect">
-            <a:avLst/>
-          </a:prstGeom>
-          <a:noFill/>
-        </p:spPr>
-        <p:txBody>
-          <a:bodyPr wrap="none" rtlCol="0">
-            <a:spAutoFit/>
-          </a:bodyPr>
-          <a:lstStyle/>
-          <a:p>
-            <a:r>
-              <a:rPr lang="en-US" sz="1400" dirty="0"/>
-              <a:t>[1] Reference Text Size</a:t>
-            </a:r>
-          </a:p>
-        </p:txBody>
-      </p:sp>
-      <p:sp>
-        <p:nvSpPr>
           <p:cNvPr id="17" name="TextBox 16"/>
           <p:cNvSpPr txBox="1"/>
           <p:nvPr/>
@@ -4099,7 +4070,7 @@
         <p:spPr>
           <a:xfrm>
             <a:off x="416590" y="1954098"/>
-            <a:ext cx="2971407" cy="2308324"/>
+            <a:ext cx="2971407" cy="3416320"/>
           </a:xfrm>
           <a:prstGeom prst="rect">
             <a:avLst/>
@@ -4136,6 +4107,23 @@
             <a:r>
               <a:rPr lang="en-US" dirty="0"/>
               <a:t>No correlation was seen when looking at cumulative class data.</a:t>
+            </a:r>
+          </a:p>
+          <a:p>
+            <a:pPr marL="285750" indent="-285750">
+              <a:buFont typeface="Arial" panose="020B0604020202020204" pitchFamily="34" charset="0"/>
+              <a:buChar char="•"/>
+            </a:pPr>
+            <a:endParaRPr lang="en-US" dirty="0"/>
+          </a:p>
+          <a:p>
+            <a:pPr marL="285750" indent="-285750">
+              <a:buFont typeface="Arial" panose="020B0604020202020204" pitchFamily="34" charset="0"/>
+              <a:buChar char="•"/>
+            </a:pPr>
+            <a:r>
+              <a:rPr lang="en-US" dirty="0"/>
+              <a:t>Pulse shaping between groups could impact correlation.</a:t>
             </a:r>
           </a:p>
           <a:p>
@@ -4500,35 +4488,6 @@
       </p:sp>
       <p:sp>
         <p:nvSpPr>
-          <p:cNvPr id="16" name="TextBox 15"/>
-          <p:cNvSpPr txBox="1"/>
-          <p:nvPr/>
-        </p:nvSpPr>
-        <p:spPr>
-          <a:xfrm>
-            <a:off x="85899" y="6099001"/>
-            <a:ext cx="1816395" cy="307777"/>
-          </a:xfrm>
-          <a:prstGeom prst="rect">
-            <a:avLst/>
-          </a:prstGeom>
-          <a:noFill/>
-        </p:spPr>
-        <p:txBody>
-          <a:bodyPr wrap="none" rtlCol="0">
-            <a:spAutoFit/>
-          </a:bodyPr>
-          <a:lstStyle/>
-          <a:p>
-            <a:r>
-              <a:rPr lang="en-US" sz="1400" dirty="0"/>
-              <a:t>[1] Reference Text Size</a:t>
-            </a:r>
-          </a:p>
-        </p:txBody>
-      </p:sp>
-      <p:sp>
-        <p:nvSpPr>
           <p:cNvPr id="17" name="TextBox 16"/>
           <p:cNvSpPr txBox="1"/>
           <p:nvPr/>
@@ -4569,7 +4528,7 @@
         <p:spPr>
           <a:xfrm>
             <a:off x="448887" y="1354975"/>
-            <a:ext cx="8254539" cy="2308324"/>
+            <a:ext cx="8254539" cy="2957861"/>
           </a:xfrm>
           <a:prstGeom prst="rect">
             <a:avLst/>
@@ -4583,52 +4542,54 @@
           <a:lstStyle/>
           <a:p>
             <a:pPr marL="285750" indent="-285750">
+              <a:lnSpc>
+                <a:spcPct val="150000"/>
+              </a:lnSpc>
               <a:buFont typeface="Arial" panose="020B0604020202020204" pitchFamily="34" charset="0"/>
               <a:buChar char="•"/>
             </a:pPr>
             <a:r>
               <a:rPr lang="en-US" dirty="0"/>
-              <a:t>A positive correlation between strain rate and ultimate tensile strength was confirmed</a:t>
-            </a:r>
-          </a:p>
-          <a:p>
-            <a:pPr marL="742950" lvl="1" indent="-285750">
+              <a:t>A positive correlation between strain rate and ultimate tensile strength was confirmed.</a:t>
+            </a:r>
+          </a:p>
+          <a:p>
+            <a:pPr marL="285750" indent="-285750">
+              <a:lnSpc>
+                <a:spcPct val="150000"/>
+              </a:lnSpc>
               <a:buFont typeface="Arial" panose="020B0604020202020204" pitchFamily="34" charset="0"/>
               <a:buChar char="•"/>
             </a:pPr>
             <a:r>
               <a:rPr lang="en-US" dirty="0"/>
-              <a:t>Minimal to no correlation between gas gun pressure and strain rate</a:t>
+              <a:t>Minimal to no correlation between gas gun pressure and strain rate.</a:t>
             </a:r>
           </a:p>
           <a:p>
             <a:pPr marL="285750" indent="-285750">
+              <a:lnSpc>
+                <a:spcPct val="150000"/>
+              </a:lnSpc>
               <a:buFont typeface="Arial" panose="020B0604020202020204" pitchFamily="34" charset="0"/>
               <a:buChar char="•"/>
             </a:pPr>
             <a:r>
               <a:rPr lang="en-US" dirty="0"/>
-              <a:t> Weibull statistical analysis performed on data</a:t>
-            </a:r>
-          </a:p>
-          <a:p>
-            <a:pPr marL="742950" lvl="1" indent="-285750">
+              <a:t>Weibull statistical analysis showed moderate variance of strength values.</a:t>
+            </a:r>
+          </a:p>
+          <a:p>
+            <a:pPr marL="285750" indent="-285750">
+              <a:lnSpc>
+                <a:spcPct val="150000"/>
+              </a:lnSpc>
               <a:buFont typeface="Arial" panose="020B0604020202020204" pitchFamily="34" charset="0"/>
               <a:buChar char="•"/>
             </a:pPr>
             <a:r>
               <a:rPr lang="en-US" dirty="0"/>
-              <a:t>Moderate variance in strength values</a:t>
-            </a:r>
-          </a:p>
-          <a:p>
-            <a:pPr marL="285750" indent="-285750">
-              <a:buFont typeface="Arial" panose="020B0604020202020204" pitchFamily="34" charset="0"/>
-              <a:buChar char="•"/>
-            </a:pPr>
-            <a:r>
-              <a:rPr lang="en-US" dirty="0"/>
-              <a:t>Further investigation of strain rate using a measured striker bar velocity would allow the relationship between strain rate and tensile strength to be better quantified</a:t>
+              <a:t>Further investigation of strain rate using a measured striker bar velocity would allow the relationship between strain rate and tensile strength to be better quantified.</a:t>
             </a:r>
           </a:p>
         </p:txBody>
@@ -5033,12 +4994,8 @@
           <a:lstStyle/>
           <a:p>
             <a:r>
-              <a:rPr lang="en-US" sz="2800" dirty="0" err="1"/>
-              <a:t>Dr</a:t>
-            </a:r>
-            <a:r>
               <a:rPr lang="en-US" sz="2800" dirty="0"/>
-              <a:t> Owen </a:t>
+              <a:t>Dr. Owen </a:t>
             </a:r>
             <a:r>
               <a:rPr lang="en-US" sz="2800" dirty="0" err="1"/>
@@ -5046,7 +5003,7 @@
             </a:r>
             <a:r>
               <a:rPr lang="en-US" sz="2800" dirty="0"/>
-              <a:t> and the High Strain-Rate Mechanics of Materials Laboratory for use of testing equipment and laboratory facilities</a:t>
+              <a:t> and the High Strain-Rate Mechanics of Materials Laboratory for use of testing equipment and laboratory facilities.</a:t>
             </a:r>
           </a:p>
         </p:txBody>
@@ -6480,8 +6437,8 @@
         </p:nvSpPr>
         <p:spPr>
           <a:xfrm>
-            <a:off x="1558750" y="386784"/>
-            <a:ext cx="6026522" cy="646331"/>
+            <a:off x="1994927" y="386784"/>
+            <a:ext cx="5154168" cy="646331"/>
           </a:xfrm>
           <a:prstGeom prst="rect">
             <a:avLst/>
@@ -6497,7 +6454,7 @@
             <a:pPr algn="ctr"/>
             <a:r>
               <a:rPr lang="en-US" sz="3600" dirty="0"/>
-              <a:t>Mechanical Testing of Concrete</a:t>
+              <a:t>Tensile Testing of Concrete</a:t>
             </a:r>
           </a:p>
         </p:txBody>
@@ -6543,8 +6500,8 @@
         </p:nvSpPr>
         <p:spPr>
           <a:xfrm>
-            <a:off x="448887" y="1354975"/>
-            <a:ext cx="8254539" cy="923330"/>
+            <a:off x="4162425" y="3721945"/>
+            <a:ext cx="3905474" cy="923330"/>
           </a:xfrm>
           <a:prstGeom prst="rect">
             <a:avLst/>
@@ -6559,7 +6516,7 @@
           <a:p>
             <a:r>
               <a:rPr lang="en-US" dirty="0"/>
-              <a:t>Tensile testing of concrete using a Brazil Disc Specimen (ASTM D 3967-08):</a:t>
+              <a:t>Brazil Disc Specimen (ASTM D 3967-08):</a:t>
             </a:r>
           </a:p>
           <a:p>
@@ -7171,7 +7128,7 @@
         <p:spPr>
           <a:xfrm>
             <a:off x="448887" y="4452426"/>
-            <a:ext cx="8254539" cy="1200329"/>
+            <a:ext cx="8254539" cy="1754326"/>
           </a:xfrm>
           <a:prstGeom prst="rect">
             <a:avLst/>
@@ -7201,6 +7158,23 @@
             <a:r>
               <a:rPr lang="en-US" dirty="0"/>
               <a:t>Test can be performed quasi-statically or dynamically at high strain rates</a:t>
+            </a:r>
+          </a:p>
+          <a:p>
+            <a:pPr marL="285750" indent="-285750">
+              <a:buFont typeface="Arial" panose="020B0604020202020204" pitchFamily="34" charset="0"/>
+              <a:buChar char="•"/>
+            </a:pPr>
+            <a:endParaRPr lang="en-US" dirty="0"/>
+          </a:p>
+          <a:p>
+            <a:pPr marL="285750" indent="-285750">
+              <a:buFont typeface="Arial" panose="020B0604020202020204" pitchFamily="34" charset="0"/>
+              <a:buChar char="•"/>
+            </a:pPr>
+            <a:r>
+              <a:rPr lang="en-US" dirty="0"/>
+              <a:t>ADD CONTOUR OF BRAZIL DISC</a:t>
             </a:r>
           </a:p>
           <a:p>
@@ -7985,7 +7959,7 @@
             </a:pPr>
             <a:r>
               <a:rPr lang="en-US" dirty="0"/>
-              <a:t>The impact from the striker bar must not exceed elastic limit</a:t>
+              <a:t>The impact from the striker bar must not exceed elastic limit of bars</a:t>
             </a:r>
           </a:p>
           <a:p>
@@ -8177,6 +8151,41 @@
           </a:prstGeom>
         </p:spPr>
       </p:pic>
+      <p:sp>
+        <p:nvSpPr>
+          <p:cNvPr id="3" name="TextBox 2">
+            <a:extLst>
+              <a:ext uri="{FF2B5EF4-FFF2-40B4-BE49-F238E27FC236}">
+                <a16:creationId xmlns:a16="http://schemas.microsoft.com/office/drawing/2014/main" id="{50A96C80-BFF1-443A-8B2C-6DB067CB8BCE}"/>
+              </a:ext>
+            </a:extLst>
+          </p:cNvPr>
+          <p:cNvSpPr txBox="1"/>
+          <p:nvPr/>
+        </p:nvSpPr>
+        <p:spPr>
+          <a:xfrm>
+            <a:off x="7315200" y="5923722"/>
+            <a:ext cx="1388226" cy="369332"/>
+          </a:xfrm>
+          <a:prstGeom prst="rect">
+            <a:avLst/>
+          </a:prstGeom>
+          <a:noFill/>
+        </p:spPr>
+        <p:txBody>
+          <a:bodyPr wrap="square" rtlCol="0">
+            <a:spAutoFit/>
+          </a:bodyPr>
+          <a:lstStyle/>
+          <a:p>
+            <a:r>
+              <a:rPr lang="en-US" dirty="0"/>
+              <a:t>*not to scale</a:t>
+            </a:r>
+          </a:p>
+        </p:txBody>
+      </p:sp>
     </p:spTree>
     <p:extLst>
       <p:ext uri="{BB962C8B-B14F-4D97-AF65-F5344CB8AC3E}">
@@ -8400,8 +8409,8 @@
         </p:nvSpPr>
         <p:spPr>
           <a:xfrm>
-            <a:off x="2456461" y="386784"/>
-            <a:ext cx="4231095" cy="646331"/>
+            <a:off x="1613896" y="386784"/>
+            <a:ext cx="5916235" cy="646331"/>
           </a:xfrm>
           <a:prstGeom prst="rect">
             <a:avLst/>
@@ -8417,7 +8426,7 @@
             <a:pPr algn="ctr"/>
             <a:r>
               <a:rPr lang="en-US" sz="3600" dirty="0"/>
-              <a:t>Dispersion Correction</a:t>
+              <a:t>High Frequency Compensation</a:t>
             </a:r>
           </a:p>
         </p:txBody>
@@ -8431,7 +8440,7 @@
         <p:spPr>
           <a:xfrm>
             <a:off x="60960" y="16316"/>
-            <a:ext cx="2836739" cy="338554"/>
+            <a:ext cx="3583738" cy="338554"/>
           </a:xfrm>
           <a:prstGeom prst="rect">
             <a:avLst/>
@@ -8450,7 +8459,7 @@
                   <a:schemeClr val="bg1"/>
                 </a:solidFill>
               </a:rPr>
-              <a:t>Methods: Dispersion Correction</a:t>
+              <a:t>Methods: High Frequency Compensation</a:t>
             </a:r>
           </a:p>
         </p:txBody>
@@ -8464,7 +8473,7 @@
         <p:spPr>
           <a:xfrm>
             <a:off x="243407" y="1332198"/>
-            <a:ext cx="4851975" cy="3877985"/>
+            <a:ext cx="4851975" cy="3600986"/>
           </a:xfrm>
           <a:prstGeom prst="rect">
             <a:avLst/>
@@ -8477,24 +8486,12 @@
           </a:bodyPr>
           <a:lstStyle/>
           <a:p>
-            <a:r>
-              <a:rPr lang="en-US" dirty="0"/>
-              <a:t>Two primary methods of dispersion correction</a:t>
-            </a:r>
-          </a:p>
-          <a:p>
-            <a:pPr marL="742950" lvl="1" indent="-285750">
-              <a:buFont typeface="Arial" panose="020B0604020202020204" pitchFamily="34" charset="0"/>
-              <a:buChar char="•"/>
-            </a:pPr>
-            <a:r>
-              <a:rPr lang="en-US" dirty="0"/>
-              <a:t>Pulse Shaping </a:t>
-            </a:r>
-            <a:r>
-              <a:rPr lang="en-US" sz="1400" dirty="0"/>
-              <a:t>[3]</a:t>
-            </a:r>
+            <a:pPr lvl="1"/>
+            <a:r>
+              <a:rPr lang="en-US" b="1" dirty="0"/>
+              <a:t>Pulse Shaping</a:t>
+            </a:r>
+            <a:endParaRPr lang="en-US" sz="1400" b="1" dirty="0"/>
           </a:p>
           <a:p>
             <a:pPr marL="1200150" lvl="2" indent="-285750">
@@ -8533,7 +8530,7 @@
             </a:pPr>
             <a:r>
               <a:rPr lang="en-US" sz="1600" dirty="0"/>
-              <a:t>Pulse shaped signal should mimic material response of specimen</a:t>
+              <a:t>Pulse shaped signal should mimic material response of specimen [3]</a:t>
             </a:r>
           </a:p>
           <a:p>
@@ -8713,7 +8710,7 @@
         <p:spPr>
           <a:xfrm>
             <a:off x="319607" y="4691626"/>
-            <a:ext cx="8233843" cy="615553"/>
+            <a:ext cx="8233843" cy="861774"/>
           </a:xfrm>
           <a:prstGeom prst="rect">
             <a:avLst/>
@@ -8726,17 +8723,10 @@
           </a:bodyPr>
           <a:lstStyle/>
           <a:p>
-            <a:pPr marL="742950" lvl="1" indent="-285750">
-              <a:buFont typeface="Arial" panose="020B0604020202020204" pitchFamily="34" charset="0"/>
-              <a:buChar char="•"/>
-            </a:pPr>
-            <a:r>
-              <a:rPr lang="en-US" dirty="0"/>
-              <a:t>Post Processing </a:t>
-            </a:r>
-            <a:r>
-              <a:rPr lang="en-US" sz="1400" dirty="0"/>
-              <a:t>[4]</a:t>
+            <a:pPr lvl="1"/>
+            <a:r>
+              <a:rPr lang="en-US" b="1" dirty="0"/>
+              <a:t>Dispersion Correction</a:t>
             </a:r>
           </a:p>
           <a:p>
@@ -8746,7 +8736,14 @@
             </a:pPr>
             <a:r>
               <a:rPr lang="en-US" sz="1600" dirty="0"/>
-              <a:t>Utilize non-linear curve fitting and Fourier series to correct for dispersion  </a:t>
+              <a:t>Utilize non-linear curve fitting and Fourier series to correct for dispersion [4]</a:t>
+            </a:r>
+          </a:p>
+          <a:p>
+            <a:pPr lvl="2"/>
+            <a:r>
+              <a:rPr lang="en-US" sz="1600" dirty="0"/>
+              <a:t> </a:t>
             </a:r>
           </a:p>
         </p:txBody>
@@ -8938,8 +8935,8 @@
         </p:nvSpPr>
         <p:spPr>
           <a:xfrm>
-            <a:off x="2114585" y="386784"/>
-            <a:ext cx="4914872" cy="646331"/>
+            <a:off x="2137734" y="386784"/>
+            <a:ext cx="4868577" cy="646331"/>
           </a:xfrm>
           <a:prstGeom prst="rect">
             <a:avLst/>
@@ -8955,7 +8952,7 @@
             <a:pPr algn="ctr"/>
             <a:r>
               <a:rPr lang="en-US" sz="3600" dirty="0"/>
-              <a:t>Wave Position Correction</a:t>
+              <a:t>Wave Position Alignment</a:t>
             </a:r>
           </a:p>
         </p:txBody>
@@ -8969,7 +8966,7 @@
         <p:spPr>
           <a:xfrm>
             <a:off x="60960" y="16316"/>
-            <a:ext cx="3141053" cy="338554"/>
+            <a:ext cx="3116174" cy="338554"/>
           </a:xfrm>
           <a:prstGeom prst="rect">
             <a:avLst/>
@@ -8988,7 +8985,7 @@
                   <a:schemeClr val="bg1"/>
                 </a:solidFill>
               </a:rPr>
-              <a:t>Methods: Wave Position Correction</a:t>
+              <a:t>Methods: Wave Position Alignment</a:t>
             </a:r>
           </a:p>
         </p:txBody>
@@ -9002,7 +8999,7 @@
         <p:spPr>
           <a:xfrm>
             <a:off x="448887" y="1354975"/>
-            <a:ext cx="8254539" cy="1477328"/>
+            <a:ext cx="8254539" cy="1754326"/>
           </a:xfrm>
           <a:prstGeom prst="rect">
             <a:avLst/>
@@ -9021,7 +9018,7 @@
             </a:pPr>
             <a:r>
               <a:rPr lang="en-US" dirty="0"/>
-              <a:t>Since strain gauges are positioned in the middle of the incident and transmitted bars, waves must be transmitted forward/backwards in time.</a:t>
+              <a:t>Since strain gauges are positioned in the middle of the incident and transmitted bars, waves must be aligned forward/backwards in time.</a:t>
             </a:r>
           </a:p>
           <a:p>
@@ -9042,6 +9039,16 @@
             <a:r>
               <a:rPr lang="en-US" dirty="0"/>
               <a:t>Force equilibrium can then be determined by converting voltages to strain.</a:t>
+            </a:r>
+          </a:p>
+          <a:p>
+            <a:pPr marL="285750" indent="-285750">
+              <a:buFont typeface="Arial" panose="020B0604020202020204" pitchFamily="34" charset="0"/>
+              <a:buChar char="•"/>
+            </a:pPr>
+            <a:r>
+              <a:rPr lang="en-US" dirty="0"/>
+              <a:t>INSERT FORCE EQUATIONS</a:t>
             </a:r>
           </a:p>
         </p:txBody>
@@ -9452,8 +9459,8 @@
         </p:blipFill>
         <p:spPr>
           <a:xfrm>
-            <a:off x="1423788" y="2993577"/>
-            <a:ext cx="5869419" cy="3301549"/>
+            <a:off x="1264158" y="2567103"/>
+            <a:ext cx="6615684" cy="3721323"/>
           </a:xfrm>
           <a:prstGeom prst="rect">
             <a:avLst/>
@@ -9680,7 +9687,7 @@
         </p:nvSpPr>
         <p:spPr>
           <a:xfrm>
-            <a:off x="231229" y="1516249"/>
+            <a:off x="231229" y="1052422"/>
             <a:ext cx="8254539" cy="1477328"/>
           </a:xfrm>
           <a:prstGeom prst="rect">
@@ -10540,7 +10547,7 @@
         <p:spPr>
           <a:xfrm>
             <a:off x="852420" y="3857625"/>
-            <a:ext cx="2266950" cy="1477328"/>
+            <a:ext cx="2266950" cy="2031325"/>
           </a:xfrm>
           <a:prstGeom prst="rect">
             <a:avLst/>
@@ -10595,6 +10602,15 @@
             <a:r>
               <a:rPr lang="en-US" dirty="0"/>
               <a:t>m = 4.9951</a:t>
+            </a:r>
+          </a:p>
+          <a:p>
+            <a:endParaRPr lang="en-US" dirty="0"/>
+          </a:p>
+          <a:p>
+            <a:r>
+              <a:rPr lang="en-US" dirty="0"/>
+              <a:t>N = 35 specimens</a:t>
             </a:r>
           </a:p>
         </p:txBody>

--- a/ME EN 6960_Group4_Exp3_Nick.pptx
+++ b/ME EN 6960_Group4_Exp3_Nick.pptx
@@ -5325,35 +5325,6 @@
       </p:sp>
       <p:sp>
         <p:nvSpPr>
-          <p:cNvPr id="16" name="TextBox 15"/>
-          <p:cNvSpPr txBox="1"/>
-          <p:nvPr/>
-        </p:nvSpPr>
-        <p:spPr>
-          <a:xfrm>
-            <a:off x="85899" y="6099001"/>
-            <a:ext cx="1816395" cy="307777"/>
-          </a:xfrm>
-          <a:prstGeom prst="rect">
-            <a:avLst/>
-          </a:prstGeom>
-          <a:noFill/>
-        </p:spPr>
-        <p:txBody>
-          <a:bodyPr wrap="none" rtlCol="0">
-            <a:spAutoFit/>
-          </a:bodyPr>
-          <a:lstStyle/>
-          <a:p>
-            <a:r>
-              <a:rPr lang="en-US" sz="1400" dirty="0"/>
-              <a:t>[1] Reference Text Size</a:t>
-            </a:r>
-          </a:p>
-        </p:txBody>
-      </p:sp>
-      <p:sp>
-        <p:nvSpPr>
           <p:cNvPr id="17" name="TextBox 16"/>
           <p:cNvSpPr txBox="1"/>
           <p:nvPr/>
@@ -5393,8 +5364,8 @@
         </p:nvSpPr>
         <p:spPr>
           <a:xfrm>
-            <a:off x="448887" y="1031125"/>
-            <a:ext cx="8254539" cy="3693319"/>
+            <a:off x="448887" y="1089848"/>
+            <a:ext cx="8254539" cy="5570756"/>
           </a:xfrm>
           <a:prstGeom prst="rect">
             <a:avLst/>
@@ -5408,116 +5379,160 @@
           <a:lstStyle/>
           <a:p>
             <a:r>
-              <a:rPr lang="en-US" dirty="0"/>
+              <a:rPr lang="en-US" sz="1600" dirty="0"/>
               <a:t>[1] X. </a:t>
             </a:r>
             <a:r>
-              <a:rPr lang="en-US" dirty="0" err="1"/>
+              <a:rPr lang="en-US" sz="1600" dirty="0" err="1"/>
               <a:t>Jin</a:t>
             </a:r>
             <a:r>
-              <a:rPr lang="en-US" dirty="0"/>
+              <a:rPr lang="en-US" sz="1600" dirty="0"/>
               <a:t>, C. </a:t>
             </a:r>
             <a:r>
-              <a:rPr lang="en-US" dirty="0" err="1"/>
+              <a:rPr lang="en-US" sz="1600" dirty="0" err="1"/>
               <a:t>Hou</a:t>
             </a:r>
             <a:r>
-              <a:rPr lang="en-US" dirty="0"/>
-              <a:t>, X. Fan, C. Lu, H. Yang, X. Shu, and Z. Wang, \Quasi-static and dynamic experimental studies on the tensile strength and failure pattern of concrete and mortar discs," in </a:t>
-            </a:r>
-            <a:r>
-              <a:rPr lang="en-US" dirty="0" err="1"/>
+              <a:rPr lang="en-US" sz="1600" dirty="0"/>
+              <a:t>, X. Fan, C. Lu, H. Yang, X. Shu, and Z. Wang, “Quasi-static and dynamic experimental studies on the tensile strength and failure pattern of concrete and mortar discs," in </a:t>
+            </a:r>
+            <a:r>
+              <a:rPr lang="en-US" sz="1600" dirty="0" err="1"/>
               <a:t>Scientic</a:t>
             </a:r>
             <a:r>
-              <a:rPr lang="en-US" dirty="0"/>
+              <a:rPr lang="en-US" sz="1600" dirty="0"/>
               <a:t> Reports, 2017.</a:t>
             </a:r>
           </a:p>
           <a:p>
+            <a:endParaRPr lang="en-US" sz="1600" dirty="0"/>
+          </a:p>
+          <a:p>
+            <a:r>
+              <a:rPr lang="en-US" sz="1600" dirty="0"/>
+              <a:t>[2] H. </a:t>
+            </a:r>
+            <a:r>
+              <a:rPr lang="en-US" sz="1600" dirty="0" err="1"/>
+              <a:t>Kolsky</a:t>
+            </a:r>
+            <a:r>
+              <a:rPr lang="en-US" sz="1600" dirty="0"/>
+              <a:t>, “An investigation of the mechanical properties of materials at very high stain rates of </a:t>
+            </a:r>
+            <a:r>
+              <a:rPr lang="en-US" sz="1600" dirty="0" err="1"/>
+              <a:t>loadin</a:t>
+            </a:r>
+            <a:r>
+              <a:rPr lang="en-US" sz="1600" dirty="0"/>
+              <a:t>,” Proc. Royal Soc., 1949.</a:t>
+            </a:r>
+          </a:p>
+          <a:p>
+            <a:endParaRPr lang="en-US" sz="1600" dirty="0"/>
+          </a:p>
+          <a:p>
+            <a:r>
+              <a:rPr lang="en-US" sz="1600" dirty="0"/>
+              <a:t>[3] B. A. Gama, S. L. </a:t>
+            </a:r>
+            <a:r>
+              <a:rPr lang="en-US" sz="1600" dirty="0" err="1"/>
+              <a:t>Lopatnikov</a:t>
+            </a:r>
+            <a:r>
+              <a:rPr lang="en-US" sz="1600" dirty="0"/>
+              <a:t>, and J. W. G. Jr., “Hopkinson bar experimental technique: A critical review," Applied Mechanics, 2004.</a:t>
+            </a:r>
+          </a:p>
+          <a:p>
+            <a:endParaRPr lang="en-US" sz="1600" dirty="0"/>
+          </a:p>
+          <a:p>
+            <a:r>
+              <a:rPr lang="en-US" sz="1600" dirty="0"/>
+              <a:t>[4] D. Frew, M. J. Forrestal, and W. Chen, “Pulse shaping techniques for testing brittle materials with a split </a:t>
+            </a:r>
+            <a:r>
+              <a:rPr lang="en-US" sz="1600" dirty="0" err="1"/>
+              <a:t>hopkinson</a:t>
+            </a:r>
+            <a:r>
+              <a:rPr lang="en-US" sz="1600" dirty="0"/>
+              <a:t> pressure bar," </a:t>
+            </a:r>
+            <a:r>
+              <a:rPr lang="en-US" sz="1600" dirty="0" err="1"/>
+              <a:t>Experimantal</a:t>
+            </a:r>
+            <a:r>
+              <a:rPr lang="en-US" sz="1600" dirty="0"/>
+              <a:t> </a:t>
+            </a:r>
+            <a:r>
+              <a:rPr lang="en-US" sz="1600" dirty="0" err="1"/>
+              <a:t>Mechincs</a:t>
+            </a:r>
+            <a:r>
+              <a:rPr lang="en-US" sz="1600" dirty="0"/>
+              <a:t>, vol. 42, pp. 93{106, 2002.</a:t>
+            </a:r>
+          </a:p>
+          <a:p>
+            <a:endParaRPr lang="en-US" sz="1600" dirty="0"/>
+          </a:p>
+          <a:p>
+            <a:r>
+              <a:rPr lang="en-US" sz="1600" dirty="0"/>
+              <a:t>[5] P. Follansbee and C. Frantz, “Wave propagation in the split </a:t>
+            </a:r>
+            <a:r>
+              <a:rPr lang="en-US" sz="1600" dirty="0" err="1"/>
+              <a:t>hopkinson</a:t>
+            </a:r>
+            <a:r>
+              <a:rPr lang="en-US" sz="1600" dirty="0"/>
+              <a:t> pressure bar," </a:t>
+            </a:r>
+            <a:r>
+              <a:rPr lang="en-US" sz="1600" dirty="0" err="1"/>
+              <a:t>Tansactions</a:t>
+            </a:r>
+            <a:r>
+              <a:rPr lang="en-US" sz="1600" dirty="0"/>
+              <a:t> of the ASME, vol. 105, pp. 93{106, 1983.</a:t>
+            </a:r>
+          </a:p>
+          <a:p>
+            <a:endParaRPr lang="en-US" sz="1600" dirty="0"/>
+          </a:p>
+          <a:p>
+            <a:r>
+              <a:rPr lang="en-US" sz="1600" dirty="0"/>
+              <a:t>[6] S. U. Pillai and D. Menon, Reinforced Concrete Design, Third Edition.</a:t>
+            </a:r>
+          </a:p>
+          <a:p>
+            <a:endParaRPr lang="en-US" sz="1600" dirty="0"/>
+          </a:p>
+          <a:p>
+            <a:r>
+              <a:rPr lang="en-US" sz="1600" dirty="0"/>
+              <a:t>[7] A. Shukla and J. W. Dally, Experimental Solid Mechanics.</a:t>
+            </a:r>
+          </a:p>
+          <a:p>
+            <a:endParaRPr lang="en-US" sz="1600" dirty="0"/>
+          </a:p>
+          <a:p>
             <a:endParaRPr lang="en-US" dirty="0"/>
           </a:p>
           <a:p>
-            <a:r>
-              <a:rPr lang="en-US" dirty="0"/>
-              <a:t>[2] H. </a:t>
-            </a:r>
-            <a:r>
-              <a:rPr lang="en-US" dirty="0" err="1"/>
-              <a:t>Kolsky</a:t>
-            </a:r>
-            <a:r>
-              <a:rPr lang="en-US" dirty="0"/>
-              <a:t>, “An investigation of the mechanical properties of materials at very high stain rates of </a:t>
-            </a:r>
-            <a:r>
-              <a:rPr lang="en-US" dirty="0" err="1"/>
-              <a:t>loadin</a:t>
-            </a:r>
-            <a:r>
-              <a:rPr lang="en-US" dirty="0"/>
-              <a:t>,” Proc. Royal Soc., 1949.</a:t>
-            </a:r>
-          </a:p>
-          <a:p>
             <a:endParaRPr lang="en-US" dirty="0"/>
-          </a:p>
-          <a:p>
-            <a:r>
-              <a:rPr lang="en-US" dirty="0"/>
-              <a:t>[3] D. Frew, M. J. Forrestal, and W. Chen, \Pulse shaping techniques for testing brittle materials with a split </a:t>
-            </a:r>
-            <a:r>
-              <a:rPr lang="en-US" dirty="0" err="1"/>
-              <a:t>hopkinson</a:t>
-            </a:r>
-            <a:r>
-              <a:rPr lang="en-US" dirty="0"/>
-              <a:t> pressure bar," </a:t>
-            </a:r>
-            <a:r>
-              <a:rPr lang="en-US" dirty="0" err="1"/>
-              <a:t>Experimantal</a:t>
-            </a:r>
-            <a:r>
-              <a:rPr lang="en-US" dirty="0"/>
-              <a:t> </a:t>
-            </a:r>
-            <a:r>
-              <a:rPr lang="en-US" dirty="0" err="1"/>
-              <a:t>Mechincs</a:t>
-            </a:r>
-            <a:r>
-              <a:rPr lang="en-US" dirty="0"/>
-              <a:t>, vol. 42, pp. 93{106, 2002.</a:t>
-            </a:r>
-          </a:p>
-          <a:p>
-            <a:endParaRPr lang="en-US" dirty="0"/>
-          </a:p>
-          <a:p>
-            <a:r>
-              <a:rPr lang="en-US" dirty="0"/>
-              <a:t>[4] P. Follansbee and C. Frantz, \Wave propagation in the split </a:t>
-            </a:r>
-            <a:r>
-              <a:rPr lang="en-US" dirty="0" err="1"/>
-              <a:t>hopkinson</a:t>
-            </a:r>
-            <a:r>
-              <a:rPr lang="en-US" dirty="0"/>
-              <a:t> pressure bar," </a:t>
-            </a:r>
-            <a:r>
-              <a:rPr lang="en-US" dirty="0" err="1"/>
-              <a:t>Tansactions</a:t>
-            </a:r>
-            <a:r>
-              <a:rPr lang="en-US" dirty="0"/>
-              <a:t> of the ASME, vol. 105, pp. 93{106, 1983.</a:t>
-            </a:r>
           </a:p>
         </p:txBody>
       </p:sp>
@@ -5927,12 +5942,13 @@
             </a:pPr>
             <a:r>
               <a:rPr lang="en-US" dirty="0"/>
-              <a:t>Failure of concrete is dependent on the loading rate. </a:t>
-            </a:r>
-            <a:r>
-              <a:rPr lang="en-US" sz="1600" dirty="0"/>
-              <a:t>[1] </a:t>
-            </a:r>
+              <a:t>Failure of concrete is dependent on the loading rate </a:t>
+            </a:r>
+            <a:r>
+              <a:rPr lang="en-US" sz="1400" dirty="0"/>
+              <a:t>[1].</a:t>
+            </a:r>
+            <a:endParaRPr lang="en-US" sz="1600" dirty="0"/>
           </a:p>
           <a:p>
             <a:pPr marL="285750" indent="-285750">
@@ -6500,8 +6516,8 @@
         </p:nvSpPr>
         <p:spPr>
           <a:xfrm>
-            <a:off x="4162425" y="3721945"/>
-            <a:ext cx="3905474" cy="923330"/>
+            <a:off x="4195981" y="2899823"/>
+            <a:ext cx="3905474" cy="646331"/>
           </a:xfrm>
           <a:prstGeom prst="rect">
             <a:avLst/>
@@ -6518,9 +6534,6 @@
               <a:rPr lang="en-US" dirty="0"/>
               <a:t>Brazil Disc Specimen (ASTM D 3967-08):</a:t>
             </a:r>
-          </a:p>
-          <a:p>
-            <a:endParaRPr lang="en-US" dirty="0"/>
           </a:p>
           <a:p>
             <a:endParaRPr lang="en-US" dirty="0"/>
@@ -6633,8 +6646,8 @@
           </a:prstGeom>
         </p:spPr>
       </p:pic>
-      <mc:AlternateContent xmlns:mc="http://schemas.openxmlformats.org/markup-compatibility/2006" xmlns:a14="http://schemas.microsoft.com/office/drawing/2010/main">
-        <mc:Choice Requires="a14">
+      <mc:AlternateContent xmlns:mc="http://schemas.openxmlformats.org/markup-compatibility/2006">
+        <mc:Choice xmlns:a14="http://schemas.microsoft.com/office/drawing/2010/main" Requires="a14">
           <p:sp>
             <p:nvSpPr>
               <p:cNvPr id="13" name="TextBox 12">
@@ -6649,7 +6662,7 @@
             </p:nvSpPr>
             <p:spPr>
               <a:xfrm>
-                <a:off x="780587" y="2188969"/>
+                <a:off x="1409762" y="1576572"/>
                 <a:ext cx="1457564" cy="1166794"/>
               </a:xfrm>
               <a:prstGeom prst="rect">
@@ -6675,12 +6688,18 @@
                           <m:sty m:val="p"/>
                         </m:rPr>
                         <a:rPr lang="el-GR" i="1" smtClean="0">
+                          <a:solidFill>
+                            <a:srgbClr val="FF0000"/>
+                          </a:solidFill>
                           <a:latin typeface="Cambria Math" panose="02040503050406030204" pitchFamily="18" charset="0"/>
                         </a:rPr>
                         <m:t>σ</m:t>
                       </m:r>
                       <m:r>
                         <a:rPr lang="en-US" b="0" i="0" smtClean="0">
+                          <a:solidFill>
+                            <a:srgbClr val="FF0000"/>
+                          </a:solidFill>
                           <a:latin typeface="Cambria Math" panose="02040503050406030204" pitchFamily="18" charset="0"/>
                         </a:rPr>
                         <m:t>= </m:t>
@@ -6689,6 +6708,9 @@
                         <m:fPr>
                           <m:ctrlPr>
                             <a:rPr lang="en-US" b="0" i="1" smtClean="0">
+                              <a:solidFill>
+                                <a:srgbClr val="FF0000"/>
+                              </a:solidFill>
                               <a:latin typeface="Cambria Math" panose="02040503050406030204" pitchFamily="18" charset="0"/>
                             </a:rPr>
                           </m:ctrlPr>
@@ -6696,12 +6718,18 @@
                         <m:num>
                           <m:r>
                             <a:rPr lang="en-US" b="0" i="1" smtClean="0">
+                              <a:solidFill>
+                                <a:srgbClr val="FF0000"/>
+                              </a:solidFill>
                               <a:latin typeface="Cambria Math" panose="02040503050406030204" pitchFamily="18" charset="0"/>
                             </a:rPr>
                             <m:t>2</m:t>
                           </m:r>
                           <m:r>
                             <a:rPr lang="en-US" b="0" i="1" smtClean="0">
+                              <a:solidFill>
+                                <a:srgbClr val="FF0000"/>
+                              </a:solidFill>
                               <a:latin typeface="Cambria Math" panose="02040503050406030204" pitchFamily="18" charset="0"/>
                             </a:rPr>
                             <m:t>𝑃</m:t>
@@ -6713,12 +6741,18 @@
                               <m:sty m:val="p"/>
                             </m:rPr>
                             <a:rPr lang="el-GR" b="0" i="1" smtClean="0">
+                              <a:solidFill>
+                                <a:srgbClr val="FF0000"/>
+                              </a:solidFill>
                               <a:latin typeface="Cambria Math" panose="02040503050406030204" pitchFamily="18" charset="0"/>
                             </a:rPr>
                             <m:t>π</m:t>
                           </m:r>
                           <m:r>
                             <a:rPr lang="en-US" b="0" i="1" smtClean="0">
+                              <a:solidFill>
+                                <a:srgbClr val="FF0000"/>
+                              </a:solidFill>
                               <a:latin typeface="Cambria Math" panose="02040503050406030204" pitchFamily="18" charset="0"/>
                             </a:rPr>
                             <m:t>𝐷𝑡</m:t>
@@ -6739,7 +6773,7 @@
             </p:txBody>
           </p:sp>
         </mc:Choice>
-        <mc:Fallback xmlns="">
+        <mc:Fallback>
           <p:sp>
             <p:nvSpPr>
               <p:cNvPr id="13" name="TextBox 12">
@@ -6756,7 +6790,7 @@
             </p:nvSpPr>
             <p:spPr>
               <a:xfrm>
-                <a:off x="780587" y="2188969"/>
+                <a:off x="1409762" y="1576572"/>
                 <a:ext cx="1457564" cy="1166794"/>
               </a:xfrm>
               <a:prstGeom prst="rect">
@@ -6798,7 +6832,7 @@
         </p:nvSpPr>
         <p:spPr>
           <a:xfrm>
-            <a:off x="5153025" y="1816640"/>
+            <a:off x="5153025" y="1036463"/>
             <a:ext cx="1908372" cy="1852054"/>
           </a:xfrm>
           <a:prstGeom prst="ellipse">
@@ -6844,8 +6878,8 @@
         </p:nvSpPr>
         <p:spPr>
           <a:xfrm>
-            <a:off x="994096" y="3040573"/>
-            <a:ext cx="3456363" cy="923330"/>
+            <a:off x="1112016" y="2261271"/>
+            <a:ext cx="3456363" cy="369332"/>
           </a:xfrm>
           <a:prstGeom prst="rect">
             <a:avLst/>
@@ -6862,12 +6896,6 @@
               <a:rPr lang="en-US" dirty="0"/>
               <a:t>t = thickness of specimen</a:t>
             </a:r>
-          </a:p>
-          <a:p>
-            <a:endParaRPr lang="en-US" dirty="0"/>
-          </a:p>
-          <a:p>
-            <a:endParaRPr lang="en-US" dirty="0"/>
           </a:p>
         </p:txBody>
       </p:sp>
@@ -6888,7 +6916,7 @@
         </p:nvCxnSpPr>
         <p:spPr>
           <a:xfrm>
-            <a:off x="4162425" y="2742667"/>
+            <a:off x="4162425" y="1962490"/>
             <a:ext cx="990600" cy="0"/>
           </a:xfrm>
           <a:prstGeom prst="straightConnector1">
@@ -6933,7 +6961,7 @@
         </p:nvCxnSpPr>
         <p:spPr>
           <a:xfrm flipH="1">
-            <a:off x="7061397" y="2739970"/>
+            <a:off x="7061397" y="1959793"/>
             <a:ext cx="1006502" cy="2697"/>
           </a:xfrm>
           <a:prstGeom prst="straightConnector1">
@@ -6975,7 +7003,7 @@
         </p:nvSpPr>
         <p:spPr>
           <a:xfrm>
-            <a:off x="4450459" y="2352675"/>
+            <a:off x="4450459" y="1941614"/>
             <a:ext cx="235841" cy="369332"/>
           </a:xfrm>
           <a:prstGeom prst="rect">
@@ -7010,7 +7038,7 @@
         </p:nvSpPr>
         <p:spPr>
           <a:xfrm>
-            <a:off x="7488934" y="2362200"/>
+            <a:off x="7488934" y="1959528"/>
             <a:ext cx="235841" cy="369332"/>
           </a:xfrm>
           <a:prstGeom prst="rect">
@@ -7049,7 +7077,7 @@
         </p:nvCxnSpPr>
         <p:spPr>
           <a:xfrm flipH="1">
-            <a:off x="5432500" y="2087867"/>
+            <a:off x="5432500" y="1307690"/>
             <a:ext cx="1349422" cy="1309600"/>
           </a:xfrm>
           <a:prstGeom prst="straightConnector1">
@@ -7127,8 +7155,8 @@
         </p:nvSpPr>
         <p:spPr>
           <a:xfrm>
-            <a:off x="448887" y="4452426"/>
-            <a:ext cx="8254539" cy="1754326"/>
+            <a:off x="4627412" y="3561715"/>
+            <a:ext cx="3577022" cy="2677656"/>
           </a:xfrm>
           <a:prstGeom prst="rect">
             <a:avLst/>
@@ -7147,7 +7175,7 @@
             </a:pPr>
             <a:r>
               <a:rPr lang="en-US" dirty="0"/>
-              <a:t>Compression creates a tensile failure of the specimen</a:t>
+              <a:t>Compression creates a tensile failure of the specimen.</a:t>
             </a:r>
           </a:p>
           <a:p>
@@ -7157,7 +7185,7 @@
             </a:pPr>
             <a:r>
               <a:rPr lang="en-US" dirty="0"/>
-              <a:t>Test can be performed quasi-statically or dynamically at high strain rates</a:t>
+              <a:t>Test can be performed quasi-statically or dynamically at high strain rates.</a:t>
             </a:r>
           </a:p>
           <a:p>
@@ -7172,19 +7200,86 @@
               <a:buFont typeface="Arial" panose="020B0604020202020204" pitchFamily="34" charset="0"/>
               <a:buChar char="•"/>
             </a:pPr>
-            <a:r>
-              <a:rPr lang="en-US" dirty="0"/>
-              <a:t>ADD CONTOUR OF BRAZIL DISC</a:t>
-            </a:r>
-          </a:p>
-          <a:p>
             <a:endParaRPr lang="en-US" dirty="0"/>
           </a:p>
           <a:p>
+            <a:pPr marL="285750" indent="-285750">
+              <a:buFont typeface="Arial" panose="020B0604020202020204" pitchFamily="34" charset="0"/>
+              <a:buChar char="•"/>
+            </a:pPr>
             <a:endParaRPr lang="en-US" dirty="0"/>
           </a:p>
-        </p:txBody>
-      </p:sp>
+          <a:p>
+            <a:r>
+              <a:rPr lang="en-US" sz="1200" dirty="0"/>
+              <a:t>* High speed imagery of concrete Brazil Disc </a:t>
+            </a:r>
+            <a:r>
+              <a:rPr lang="en-US" sz="1200" dirty="0" err="1"/>
+              <a:t>tes</a:t>
+            </a:r>
+            <a:r>
+              <a:rPr lang="en-US" sz="1200" dirty="0"/>
+              <a:t> from X. </a:t>
+            </a:r>
+            <a:r>
+              <a:rPr lang="en-US" sz="1200" dirty="0" err="1"/>
+              <a:t>Jin</a:t>
+            </a:r>
+            <a:r>
+              <a:rPr lang="en-US" sz="1200" dirty="0"/>
+              <a:t> et al [1]</a:t>
+            </a:r>
+          </a:p>
+        </p:txBody>
+      </p:sp>
+      <p:pic>
+        <p:nvPicPr>
+          <p:cNvPr id="1026" name="Picture 2" descr="Figure 11">
+            <a:extLst>
+              <a:ext uri="{FF2B5EF4-FFF2-40B4-BE49-F238E27FC236}">
+                <a16:creationId xmlns:a16="http://schemas.microsoft.com/office/drawing/2014/main" id="{D820C9C3-EE91-4A70-85EF-D913719A72F9}"/>
+              </a:ext>
+            </a:extLst>
+          </p:cNvPr>
+          <p:cNvPicPr>
+            <a:picLocks noChangeAspect="1" noChangeArrowheads="1"/>
+          </p:cNvPicPr>
+          <p:nvPr/>
+        </p:nvPicPr>
+        <p:blipFill>
+          <a:blip r:embed="rId4">
+            <a:extLst>
+              <a:ext uri="{28A0092B-C50C-407E-A947-70E740481C1C}">
+                <a14:useLocalDpi xmlns:a14="http://schemas.microsoft.com/office/drawing/2010/main" val="0"/>
+              </a:ext>
+            </a:extLst>
+          </a:blip>
+          <a:srcRect/>
+          <a:stretch>
+            <a:fillRect/>
+          </a:stretch>
+        </p:blipFill>
+        <p:spPr bwMode="auto">
+          <a:xfrm>
+            <a:off x="99732" y="3269719"/>
+            <a:ext cx="4254154" cy="3096078"/>
+          </a:xfrm>
+          <a:prstGeom prst="rect">
+            <a:avLst/>
+          </a:prstGeom>
+          <a:noFill/>
+          <a:extLst>
+            <a:ext uri="{909E8E84-426E-40DD-AFC4-6F175D3DCCD1}">
+              <a14:hiddenFill xmlns:a14="http://schemas.microsoft.com/office/drawing/2010/main">
+                <a:solidFill>
+                  <a:srgbClr val="FFFFFF"/>
+                </a:solidFill>
+              </a14:hiddenFill>
+            </a:ext>
+          </a:extLst>
+        </p:spPr>
+      </p:pic>
     </p:spTree>
     <p:extLst>
       <p:ext uri="{BB962C8B-B14F-4D97-AF65-F5344CB8AC3E}">
@@ -7598,7 +7693,7 @@
             </a:r>
             <a:r>
               <a:rPr lang="en-US" dirty="0"/>
-              <a:t> further adapted Davies’ method in 1949 by introducing a second bar on the other end of the specimen with a second microphone at the end</a:t>
+              <a:t> further adapted Davies’ method in 1949 by introducing a second bar on the other end of the specimen with a second microphone at the end.</a:t>
             </a:r>
           </a:p>
           <a:p>
@@ -7608,7 +7703,11 @@
             </a:pPr>
             <a:r>
               <a:rPr lang="en-US" dirty="0"/>
-              <a:t>Record made of both incident and transmitted pulses [2]</a:t>
+              <a:t>Record made of both incident and transmitted pulses </a:t>
+            </a:r>
+            <a:r>
+              <a:rPr lang="en-US" sz="1400" dirty="0"/>
+              <a:t>[2].</a:t>
             </a:r>
           </a:p>
           <a:p>
@@ -7910,7 +8009,7 @@
         <p:spPr>
           <a:xfrm>
             <a:off x="448887" y="1354975"/>
-            <a:ext cx="8254539" cy="2308324"/>
+            <a:ext cx="8254539" cy="2031325"/>
           </a:xfrm>
           <a:prstGeom prst="rect">
             <a:avLst/>
@@ -7939,7 +8038,7 @@
             </a:pPr>
             <a:r>
               <a:rPr lang="en-US" dirty="0"/>
-              <a:t>Thin bars simplify motion into one dimension</a:t>
+              <a:t>Thin bars simplify motion into one dimension.</a:t>
             </a:r>
           </a:p>
           <a:p>
@@ -7949,7 +8048,7 @@
             </a:pPr>
             <a:r>
               <a:rPr lang="en-US" dirty="0"/>
-              <a:t>Bars must be homogenous and have a uniform cross section</a:t>
+              <a:t>Bars must be homogenous and have a uniform cross section.</a:t>
             </a:r>
           </a:p>
           <a:p>
@@ -7959,7 +8058,7 @@
             </a:pPr>
             <a:r>
               <a:rPr lang="en-US" dirty="0"/>
-              <a:t>The impact from the striker bar must not exceed elastic limit of bars</a:t>
+              <a:t>The impact from the striker bar must not exceed elastic limit of bars.</a:t>
             </a:r>
           </a:p>
           <a:p>
@@ -7987,7 +8086,7 @@
             </a:r>
             <a:r>
               <a:rPr lang="en-US" dirty="0"/>
-              <a:t> bridge configuration used to isolate axial strain</a:t>
+              <a:t> bridge configuration used to isolate axial strain.</a:t>
             </a:r>
           </a:p>
           <a:p>
@@ -7999,13 +8098,14 @@
               <a:rPr lang="en-US" dirty="0"/>
               <a:t>Dispersion effects present from finite bars</a:t>
             </a:r>
-          </a:p>
-          <a:p>
-            <a:pPr marL="742950" lvl="1" indent="-285750">
-              <a:buFont typeface="Arial" panose="020B0604020202020204" pitchFamily="34" charset="0"/>
-              <a:buChar char="•"/>
-            </a:pPr>
-            <a:endParaRPr lang="en-US" dirty="0"/>
+            <a:r>
+              <a:rPr lang="en-US" sz="1400" dirty="0"/>
+              <a:t> </a:t>
+            </a:r>
+            <a:r>
+              <a:rPr lang="en-US" sz="1600" dirty="0"/>
+              <a:t>[3].</a:t>
+            </a:r>
           </a:p>
         </p:txBody>
       </p:sp>
@@ -8520,7 +8620,7 @@
             </a:pPr>
             <a:r>
               <a:rPr lang="en-US" sz="1600" dirty="0"/>
-              <a:t>Pulse shaper material depends on SHPB and specimen materials</a:t>
+              <a:t>Pulse shaper material depends on SHPB and specimen materials.</a:t>
             </a:r>
           </a:p>
           <a:p>
@@ -8530,7 +8630,11 @@
             </a:pPr>
             <a:r>
               <a:rPr lang="en-US" sz="1600" dirty="0"/>
-              <a:t>Pulse shaped signal should mimic material response of specimen [3]</a:t>
+              <a:t>Pulse shaped signal should mimic material response of specimen </a:t>
+            </a:r>
+            <a:r>
+              <a:rPr lang="en-US" sz="1400" dirty="0"/>
+              <a:t>[4].</a:t>
             </a:r>
           </a:p>
           <a:p>
@@ -8736,7 +8840,15 @@
             </a:pPr>
             <a:r>
               <a:rPr lang="en-US" sz="1600" dirty="0"/>
-              <a:t>Utilize non-linear curve fitting and Fourier series to correct for dispersion [4]</a:t>
+              <a:t>Utilize non-linear curve fitting and Fourier series to correct for dispersion </a:t>
+            </a:r>
+            <a:r>
+              <a:rPr lang="en-US" sz="1400" dirty="0"/>
+              <a:t>[5]</a:t>
+            </a:r>
+            <a:r>
+              <a:rPr lang="en-US" sz="1600" dirty="0"/>
+              <a:t>.</a:t>
             </a:r>
           </a:p>
           <a:p>
@@ -8999,7 +9111,7 @@
         <p:spPr>
           <a:xfrm>
             <a:off x="448887" y="1354975"/>
-            <a:ext cx="8254539" cy="1754326"/>
+            <a:ext cx="8254539" cy="2308324"/>
           </a:xfrm>
           <a:prstGeom prst="rect">
             <a:avLst/>
@@ -9018,7 +9130,15 @@
             </a:pPr>
             <a:r>
               <a:rPr lang="en-US" dirty="0"/>
-              <a:t>Since strain gauges are positioned in the middle of the incident and transmitted bars, waves must be aligned forward/backwards in time.</a:t>
+              <a:t>Since strain gauges are positioned in the middle of the incident and transmitted bars, waves must be aligned forward/backwards in time </a:t>
+            </a:r>
+            <a:r>
+              <a:rPr lang="en-US" sz="1400" dirty="0"/>
+              <a:t>[5]</a:t>
+            </a:r>
+            <a:r>
+              <a:rPr lang="en-US" dirty="0"/>
+              <a:t>.</a:t>
             </a:r>
           </a:p>
           <a:p>
@@ -9046,8 +9166,26 @@
               <a:buFont typeface="Arial" panose="020B0604020202020204" pitchFamily="34" charset="0"/>
               <a:buChar char="•"/>
             </a:pPr>
-            <a:r>
-              <a:rPr lang="en-US" dirty="0"/>
+            <a:endParaRPr lang="en-US" dirty="0"/>
+          </a:p>
+          <a:p>
+            <a:pPr marL="285750" indent="-285750">
+              <a:buFont typeface="Arial" panose="020B0604020202020204" pitchFamily="34" charset="0"/>
+              <a:buChar char="•"/>
+            </a:pPr>
+            <a:endParaRPr lang="en-US" dirty="0"/>
+          </a:p>
+          <a:p>
+            <a:pPr marL="285750" indent="-285750">
+              <a:buFont typeface="Arial" panose="020B0604020202020204" pitchFamily="34" charset="0"/>
+              <a:buChar char="•"/>
+            </a:pPr>
+            <a:r>
+              <a:rPr lang="en-US" dirty="0">
+                <a:solidFill>
+                  <a:srgbClr val="FF0000"/>
+                </a:solidFill>
+              </a:rPr>
               <a:t>INSERT FORCE EQUATIONS</a:t>
             </a:r>
           </a:p>
@@ -10108,8 +10246,8 @@
         </p:nvSpPr>
         <p:spPr>
           <a:xfrm>
-            <a:off x="448887" y="1354975"/>
-            <a:ext cx="8254539" cy="646331"/>
+            <a:off x="448887" y="1096468"/>
+            <a:ext cx="8254539" cy="1754326"/>
           </a:xfrm>
           <a:prstGeom prst="rect">
             <a:avLst/>
@@ -10130,28 +10268,30 @@
           <a:p>
             <a:r>
               <a:rPr lang="en-US" dirty="0"/>
-              <a:t>Mean: 15.77 </a:t>
-            </a:r>
-            <a:r>
-              <a:rPr lang="en-US" dirty="0" err="1"/>
-              <a:t>MPa</a:t>
-            </a:r>
+              <a:t>Mean: 15.77 MPa;                Median: 15.18 MPa                  Standard Deviation: 3.60 MPa</a:t>
+            </a:r>
+          </a:p>
+          <a:p>
+            <a:endParaRPr lang="en-US" dirty="0"/>
+          </a:p>
+          <a:p>
             <a:r>
               <a:rPr lang="en-US" dirty="0"/>
-              <a:t>;                Median: 15.18 </a:t>
-            </a:r>
-            <a:r>
-              <a:rPr lang="en-US" dirty="0" err="1"/>
-              <a:t>MPa</a:t>
-            </a:r>
+              <a:t>Quasi-Static Tensile Strength:</a:t>
+            </a:r>
+            <a:endParaRPr lang="en-US" sz="1400" dirty="0"/>
+          </a:p>
+          <a:p>
             <a:r>
               <a:rPr lang="en-US" dirty="0"/>
-              <a:t>                  Standard Deviation: 3.60 </a:t>
-            </a:r>
-            <a:r>
-              <a:rPr lang="en-US" dirty="0" err="1"/>
-              <a:t>MPa</a:t>
-            </a:r>
+              <a:t>2.2-4.4 MPa </a:t>
+            </a:r>
+            <a:r>
+              <a:rPr lang="en-US" sz="1400" dirty="0"/>
+              <a:t>[6]</a:t>
+            </a:r>
+          </a:p>
+          <a:p>
             <a:endParaRPr lang="en-US" dirty="0"/>
           </a:p>
         </p:txBody>
@@ -10298,8 +10438,8 @@
           </a:prstGeom>
         </p:spPr>
       </p:pic>
-      <mc:AlternateContent xmlns:mc="http://schemas.openxmlformats.org/markup-compatibility/2006" xmlns:a14="http://schemas.microsoft.com/office/drawing/2010/main">
-        <mc:Choice Requires="a14">
+      <mc:AlternateContent xmlns:mc="http://schemas.openxmlformats.org/markup-compatibility/2006">
+        <mc:Choice xmlns:a14="http://schemas.microsoft.com/office/drawing/2010/main" Requires="a14">
           <p:sp>
             <p:nvSpPr>
               <p:cNvPr id="7" name="TextBox 6">
@@ -10314,7 +10454,7 @@
             </p:nvSpPr>
             <p:spPr>
               <a:xfrm>
-                <a:off x="448887" y="2610050"/>
+                <a:off x="448887" y="2841584"/>
                 <a:ext cx="2752725" cy="1028358"/>
               </a:xfrm>
               <a:prstGeom prst="rect">
@@ -10330,7 +10470,15 @@
               <a:p>
                 <a:r>
                   <a:rPr lang="en-US" dirty="0"/>
-                  <a:t>Weibull Analysis:</a:t>
+                  <a:t>Weibull Analysis </a:t>
+                </a:r>
+                <a:r>
+                  <a:rPr lang="en-US" sz="1400" dirty="0"/>
+                  <a:t>[7]</a:t>
+                </a:r>
+                <a:r>
+                  <a:rPr lang="en-US" dirty="0"/>
+                  <a:t>:</a:t>
                 </a:r>
               </a:p>
               <a:p>
@@ -10346,6 +10494,9 @@
                     <m:oMath xmlns:m="http://schemas.openxmlformats.org/officeDocument/2006/math">
                       <m:r>
                         <a:rPr lang="en-US" b="0" i="1" smtClean="0">
+                          <a:solidFill>
+                            <a:srgbClr val="FF0000"/>
+                          </a:solidFill>
                           <a:latin typeface="Cambria Math" panose="02040503050406030204" pitchFamily="18" charset="0"/>
                         </a:rPr>
                         <m:t>𝑝</m:t>
@@ -10354,6 +10505,9 @@
                         <m:dPr>
                           <m:ctrlPr>
                             <a:rPr lang="en-US" b="0" i="1" smtClean="0">
+                              <a:solidFill>
+                                <a:srgbClr val="FF0000"/>
+                              </a:solidFill>
                               <a:latin typeface="Cambria Math" panose="02040503050406030204" pitchFamily="18" charset="0"/>
                             </a:rPr>
                           </m:ctrlPr>
@@ -10361,6 +10515,9 @@
                         <m:e>
                           <m:r>
                             <a:rPr lang="en-US" b="0" i="1" smtClean="0">
+                              <a:solidFill>
+                                <a:srgbClr val="FF0000"/>
+                              </a:solidFill>
                               <a:latin typeface="Cambria Math" panose="02040503050406030204" pitchFamily="18" charset="0"/>
                             </a:rPr>
                             <m:t>𝑥</m:t>
@@ -10369,6 +10526,9 @@
                       </m:d>
                       <m:r>
                         <a:rPr lang="en-US" b="0" i="1" smtClean="0">
+                          <a:solidFill>
+                            <a:srgbClr val="FF0000"/>
+                          </a:solidFill>
                           <a:latin typeface="Cambria Math" panose="02040503050406030204" pitchFamily="18" charset="0"/>
                         </a:rPr>
                         <m:t>=1−</m:t>
@@ -10377,6 +10537,9 @@
                         <m:sSupPr>
                           <m:ctrlPr>
                             <a:rPr lang="en-US" b="0" i="1" smtClean="0">
+                              <a:solidFill>
+                                <a:srgbClr val="FF0000"/>
+                              </a:solidFill>
                               <a:latin typeface="Cambria Math" panose="02040503050406030204" pitchFamily="18" charset="0"/>
                             </a:rPr>
                           </m:ctrlPr>
@@ -10384,6 +10547,9 @@
                         <m:e>
                           <m:r>
                             <a:rPr lang="en-US" b="0" i="1" smtClean="0">
+                              <a:solidFill>
+                                <a:srgbClr val="FF0000"/>
+                              </a:solidFill>
                               <a:latin typeface="Cambria Math" panose="02040503050406030204" pitchFamily="18" charset="0"/>
                             </a:rPr>
                             <m:t>𝑒</m:t>
@@ -10394,6 +10560,9 @@
                             <m:sSupPr>
                               <m:ctrlPr>
                                 <a:rPr lang="en-US" b="0" i="1" smtClean="0">
+                                  <a:solidFill>
+                                    <a:srgbClr val="FF0000"/>
+                                  </a:solidFill>
                                   <a:latin typeface="Cambria Math" panose="02040503050406030204" pitchFamily="18" charset="0"/>
                                 </a:rPr>
                               </m:ctrlPr>
@@ -10401,6 +10570,9 @@
                             <m:e>
                               <m:r>
                                 <a:rPr lang="en-US" b="0" i="1" smtClean="0">
+                                  <a:solidFill>
+                                    <a:srgbClr val="FF0000"/>
+                                  </a:solidFill>
                                   <a:latin typeface="Cambria Math" panose="02040503050406030204" pitchFamily="18" charset="0"/>
                                 </a:rPr>
                                 <m:t>−[</m:t>
@@ -10409,6 +10581,9 @@
                                 <m:fPr>
                                   <m:ctrlPr>
                                     <a:rPr lang="en-US" b="0" i="1" smtClean="0">
+                                      <a:solidFill>
+                                        <a:srgbClr val="FF0000"/>
+                                      </a:solidFill>
                                       <a:latin typeface="Cambria Math" panose="02040503050406030204" pitchFamily="18" charset="0"/>
                                     </a:rPr>
                                   </m:ctrlPr>
@@ -10416,12 +10591,18 @@
                                 <m:num>
                                   <m:r>
                                     <a:rPr lang="en-US" b="0" i="1" smtClean="0">
+                                      <a:solidFill>
+                                        <a:srgbClr val="FF0000"/>
+                                      </a:solidFill>
                                       <a:latin typeface="Cambria Math" panose="02040503050406030204" pitchFamily="18" charset="0"/>
                                     </a:rPr>
                                     <m:t>𝑥</m:t>
                                   </m:r>
                                   <m:r>
                                     <a:rPr lang="en-US" b="0" i="1" smtClean="0">
+                                      <a:solidFill>
+                                        <a:srgbClr val="FF0000"/>
+                                      </a:solidFill>
                                       <a:latin typeface="Cambria Math" panose="02040503050406030204" pitchFamily="18" charset="0"/>
                                     </a:rPr>
                                     <m:t>−</m:t>
@@ -10430,6 +10611,9 @@
                                     <m:sSubPr>
                                       <m:ctrlPr>
                                         <a:rPr lang="en-US" b="0" i="1" smtClean="0">
+                                          <a:solidFill>
+                                            <a:srgbClr val="FF0000"/>
+                                          </a:solidFill>
                                           <a:latin typeface="Cambria Math" panose="02040503050406030204" pitchFamily="18" charset="0"/>
                                         </a:rPr>
                                       </m:ctrlPr>
@@ -10437,6 +10621,9 @@
                                     <m:e>
                                       <m:r>
                                         <a:rPr lang="en-US" b="0" i="1" smtClean="0">
+                                          <a:solidFill>
+                                            <a:srgbClr val="FF0000"/>
+                                          </a:solidFill>
                                           <a:latin typeface="Cambria Math" panose="02040503050406030204" pitchFamily="18" charset="0"/>
                                         </a:rPr>
                                         <m:t>𝑥</m:t>
@@ -10445,6 +10632,9 @@
                                     <m:sub>
                                       <m:r>
                                         <a:rPr lang="en-US" b="0" i="1" smtClean="0">
+                                          <a:solidFill>
+                                            <a:srgbClr val="FF0000"/>
+                                          </a:solidFill>
                                           <a:latin typeface="Cambria Math" panose="02040503050406030204" pitchFamily="18" charset="0"/>
                                         </a:rPr>
                                         <m:t>𝑜</m:t>
@@ -10455,6 +10645,9 @@
                                 <m:den>
                                   <m:r>
                                     <a:rPr lang="en-US" b="0" i="1" smtClean="0">
+                                      <a:solidFill>
+                                        <a:srgbClr val="FF0000"/>
+                                      </a:solidFill>
                                       <a:latin typeface="Cambria Math" panose="02040503050406030204" pitchFamily="18" charset="0"/>
                                     </a:rPr>
                                     <m:t>𝑏</m:t>
@@ -10463,6 +10656,9 @@
                               </m:f>
                               <m:r>
                                 <a:rPr lang="en-US" b="0" i="1" smtClean="0">
+                                  <a:solidFill>
+                                    <a:srgbClr val="FF0000"/>
+                                  </a:solidFill>
                                   <a:latin typeface="Cambria Math" panose="02040503050406030204" pitchFamily="18" charset="0"/>
                                 </a:rPr>
                                 <m:t>]</m:t>
@@ -10471,6 +10667,9 @@
                             <m:sup>
                               <m:r>
                                 <a:rPr lang="en-US" b="0" i="1" smtClean="0">
+                                  <a:solidFill>
+                                    <a:srgbClr val="FF0000"/>
+                                  </a:solidFill>
                                   <a:latin typeface="Cambria Math" panose="02040503050406030204" pitchFamily="18" charset="0"/>
                                 </a:rPr>
                                 <m:t>𝑚</m:t>
@@ -10487,7 +10686,7 @@
             </p:txBody>
           </p:sp>
         </mc:Choice>
-        <mc:Fallback xmlns="">
+        <mc:Fallback>
           <p:sp>
             <p:nvSpPr>
               <p:cNvPr id="7" name="TextBox 6">
@@ -10504,7 +10703,7 @@
             </p:nvSpPr>
             <p:spPr>
               <a:xfrm>
-                <a:off x="448887" y="2610050"/>
+                <a:off x="448887" y="2841584"/>
                 <a:ext cx="2752725" cy="1028358"/>
               </a:xfrm>
               <a:prstGeom prst="rect">
@@ -10546,7 +10745,7 @@
         </p:nvSpPr>
         <p:spPr>
           <a:xfrm>
-            <a:off x="852420" y="3857625"/>
+            <a:off x="801116" y="3986459"/>
             <a:ext cx="2266950" cy="2031325"/>
           </a:xfrm>
           <a:prstGeom prst="rect">

--- a/ME EN 6960_Group4_Exp3_Nick.pptx
+++ b/ME EN 6960_Group4_Exp3_Nick.pptx
@@ -5394,7 +5394,7 @@
         <p:spPr>
           <a:xfrm>
             <a:off x="448887" y="1031125"/>
-            <a:ext cx="8254539" cy="3693319"/>
+            <a:ext cx="8254539" cy="4647426"/>
           </a:xfrm>
           <a:prstGeom prst="rect">
             <a:avLst/>
@@ -5408,116 +5408,251 @@
           <a:lstStyle/>
           <a:p>
             <a:r>
-              <a:rPr lang="en-US" dirty="0"/>
+              <a:rPr lang="en-US" sz="1400" dirty="0"/>
               <a:t>[1] X. </a:t>
             </a:r>
             <a:r>
-              <a:rPr lang="en-US" dirty="0" err="1"/>
+              <a:rPr lang="en-US" sz="1400" dirty="0" err="1"/>
               <a:t>Jin</a:t>
             </a:r>
             <a:r>
-              <a:rPr lang="en-US" dirty="0"/>
+              <a:rPr lang="en-US" sz="1400" dirty="0"/>
               <a:t>, C. </a:t>
             </a:r>
             <a:r>
-              <a:rPr lang="en-US" dirty="0" err="1"/>
+              <a:rPr lang="en-US" sz="1400" dirty="0" err="1"/>
               <a:t>Hou</a:t>
             </a:r>
             <a:r>
-              <a:rPr lang="en-US" dirty="0"/>
+              <a:rPr lang="en-US" sz="1400" dirty="0"/>
               <a:t>, X. Fan, C. Lu, H. Yang, X. Shu, and Z. Wang, \Quasi-static and dynamic experimental studies on the tensile strength and failure pattern of concrete and mortar discs," in </a:t>
             </a:r>
             <a:r>
-              <a:rPr lang="en-US" dirty="0" err="1"/>
+              <a:rPr lang="en-US" sz="1400" dirty="0" err="1"/>
               <a:t>Scientic</a:t>
             </a:r>
             <a:r>
-              <a:rPr lang="en-US" dirty="0"/>
+              <a:rPr lang="en-US" sz="1400" dirty="0"/>
               <a:t> Reports, 2017.</a:t>
             </a:r>
           </a:p>
           <a:p>
-            <a:endParaRPr lang="en-US" dirty="0"/>
-          </a:p>
-          <a:p>
-            <a:r>
-              <a:rPr lang="en-US" dirty="0"/>
+            <a:endParaRPr lang="en-US" sz="1400" dirty="0"/>
+          </a:p>
+          <a:p>
+            <a:r>
+              <a:rPr lang="en-US" sz="1400" dirty="0"/>
               <a:t>[2] H. </a:t>
             </a:r>
             <a:r>
-              <a:rPr lang="en-US" dirty="0" err="1"/>
+              <a:rPr lang="en-US" sz="1400" dirty="0" err="1"/>
               <a:t>Kolsky</a:t>
             </a:r>
             <a:r>
-              <a:rPr lang="en-US" dirty="0"/>
+              <a:rPr lang="en-US" sz="1400" dirty="0"/>
               <a:t>, “An investigation of the mechanical properties of materials at very high stain rates of </a:t>
             </a:r>
             <a:r>
-              <a:rPr lang="en-US" dirty="0" err="1"/>
+              <a:rPr lang="en-US" sz="1400" dirty="0" err="1"/>
               <a:t>loadin</a:t>
             </a:r>
             <a:r>
-              <a:rPr lang="en-US" dirty="0"/>
-              <a:t>,” Proc. Royal Soc., 1949.</a:t>
-            </a:r>
-          </a:p>
-          <a:p>
-            <a:endParaRPr lang="en-US" dirty="0"/>
-          </a:p>
-          <a:p>
-            <a:r>
-              <a:rPr lang="en-US" dirty="0"/>
-              <a:t>[3] D. Frew, M. J. Forrestal, and W. Chen, \Pulse shaping techniques for testing brittle materials with a split </a:t>
-            </a:r>
-            <a:r>
-              <a:rPr lang="en-US" dirty="0" err="1"/>
-              <a:t>hopkinson</a:t>
-            </a:r>
-            <a:r>
-              <a:rPr lang="en-US" dirty="0"/>
-              <a:t> pressure bar," </a:t>
-            </a:r>
-            <a:r>
-              <a:rPr lang="en-US" dirty="0" err="1"/>
-              <a:t>Experimantal</a:t>
-            </a:r>
-            <a:r>
-              <a:rPr lang="en-US" dirty="0"/>
-              <a:t> </a:t>
-            </a:r>
-            <a:r>
-              <a:rPr lang="en-US" dirty="0" err="1"/>
-              <a:t>Mechincs</a:t>
-            </a:r>
-            <a:r>
-              <a:rPr lang="en-US" dirty="0"/>
-              <a:t>, vol. 42, pp. 93{106, 2002.</a:t>
-            </a:r>
-          </a:p>
-          <a:p>
-            <a:endParaRPr lang="en-US" dirty="0"/>
-          </a:p>
-          <a:p>
-            <a:r>
-              <a:rPr lang="en-US" dirty="0"/>
-              <a:t>[4] P. Follansbee and C. Frantz, \Wave propagation in the split </a:t>
-            </a:r>
-            <a:r>
-              <a:rPr lang="en-US" dirty="0" err="1"/>
-              <a:t>hopkinson</a:t>
-            </a:r>
-            <a:r>
-              <a:rPr lang="en-US" dirty="0"/>
-              <a:t> pressure bar," </a:t>
-            </a:r>
-            <a:r>
-              <a:rPr lang="en-US" dirty="0" err="1"/>
-              <a:t>Tansactions</a:t>
-            </a:r>
-            <a:r>
-              <a:rPr lang="en-US" dirty="0"/>
-              <a:t> of the ASME, vol. 105, pp. 93{106, 1983.</a:t>
-            </a:r>
+              <a:rPr lang="en-US" sz="1400" dirty="0"/>
+              <a:t>,” Proc. Royal Soc., 1949</a:t>
+            </a:r>
+            <a:r>
+              <a:rPr lang="en-US" sz="1400" dirty="0" smtClean="0"/>
+              <a:t>.</a:t>
+            </a:r>
+          </a:p>
+          <a:p>
+            <a:endParaRPr lang="en-US" sz="1400" dirty="0" smtClean="0"/>
+          </a:p>
+          <a:p>
+            <a:r>
+              <a:rPr lang="en-US" sz="1400" dirty="0" smtClean="0"/>
+              <a:t>[3] </a:t>
+            </a:r>
+            <a:r>
+              <a:rPr lang="en-US" sz="1400" dirty="0"/>
+              <a:t>B. A. Gama, S. L. </a:t>
+            </a:r>
+            <a:r>
+              <a:rPr lang="en-US" sz="1400" dirty="0" err="1"/>
+              <a:t>Lopatnikov</a:t>
+            </a:r>
+            <a:r>
+              <a:rPr lang="en-US" sz="1400" dirty="0"/>
+              <a:t>, and J. W. G. Jr., “Hopkinson bar experimental technique: A critical review,” Applied Mechanics, 2004.</a:t>
+            </a:r>
+            <a:endParaRPr lang="en-US" sz="1400" dirty="0"/>
+          </a:p>
+          <a:p>
+            <a:endParaRPr lang="en-US" sz="1400" dirty="0" smtClean="0"/>
+          </a:p>
+          <a:p>
+            <a:r>
+              <a:rPr lang="en-US" sz="1400" dirty="0" smtClean="0"/>
+              <a:t>[4] </a:t>
+            </a:r>
+            <a:r>
+              <a:rPr lang="en-US" sz="1400" dirty="0"/>
+              <a:t>Hopkinson B </a:t>
+            </a:r>
+            <a:r>
+              <a:rPr lang="en-US" sz="1400" dirty="0" smtClean="0"/>
+              <a:t> (1914), “A </a:t>
+            </a:r>
+            <a:r>
+              <a:rPr lang="en-US" sz="1400" dirty="0"/>
+              <a:t>method of measuring the pressure produced in the detonation of high explosives or by the impact of bullets</a:t>
+            </a:r>
+            <a:r>
+              <a:rPr lang="en-US" sz="1400" dirty="0" smtClean="0"/>
+              <a:t>,” </a:t>
+            </a:r>
+            <a:r>
+              <a:rPr lang="en-US" sz="1400" dirty="0"/>
+              <a:t>Philos. Trans. R. Soc. London, Ser. A 213, 437–456</a:t>
+            </a:r>
+            <a:r>
+              <a:rPr lang="en-US" sz="1400" dirty="0" smtClean="0"/>
+              <a:t>.</a:t>
+            </a:r>
+          </a:p>
+          <a:p>
+            <a:endParaRPr lang="en-US" sz="1400" dirty="0" smtClean="0"/>
+          </a:p>
+          <a:p>
+            <a:r>
+              <a:rPr lang="en-US" sz="1400" dirty="0" smtClean="0"/>
+              <a:t>[5] </a:t>
+            </a:r>
+            <a:r>
+              <a:rPr lang="en-US" sz="1400" dirty="0"/>
+              <a:t>Davies RM </a:t>
+            </a:r>
+            <a:r>
+              <a:rPr lang="en-US" sz="1400" dirty="0" smtClean="0"/>
+              <a:t>(1948), “A </a:t>
+            </a:r>
+            <a:r>
+              <a:rPr lang="en-US" sz="1400" dirty="0"/>
+              <a:t>critical study of the Hopkinson pressure bar</a:t>
+            </a:r>
+            <a:r>
+              <a:rPr lang="en-US" sz="1400" dirty="0" smtClean="0"/>
+              <a:t>,” </a:t>
+            </a:r>
+            <a:r>
+              <a:rPr lang="en-US" sz="1400" dirty="0"/>
+              <a:t>Philos. Trans. R. Soc. London, Ser. A </a:t>
+            </a:r>
+            <a:r>
+              <a:rPr lang="en-US" sz="1400" dirty="0" smtClean="0"/>
+              <a:t>240(821), </a:t>
+            </a:r>
+            <a:r>
+              <a:rPr lang="en-US" sz="1400" dirty="0"/>
+              <a:t>375–457</a:t>
+            </a:r>
+            <a:r>
+              <a:rPr lang="en-US" sz="1400" dirty="0" smtClean="0"/>
+              <a:t>.</a:t>
+            </a:r>
+          </a:p>
+          <a:p>
+            <a:endParaRPr lang="en-US" sz="1400" dirty="0"/>
+          </a:p>
+          <a:p>
+            <a:r>
+              <a:rPr lang="en-US" sz="1400" dirty="0" smtClean="0"/>
+              <a:t>[6] </a:t>
+            </a:r>
+            <a:r>
+              <a:rPr lang="en-US" sz="1400" dirty="0"/>
+              <a:t>D. </a:t>
+            </a:r>
+            <a:r>
+              <a:rPr lang="en-US" sz="1400" dirty="0" err="1"/>
+              <a:t>Frew</a:t>
+            </a:r>
+            <a:r>
+              <a:rPr lang="en-US" sz="1400" dirty="0"/>
+              <a:t>, M. J. Forrestal, and W. Chen, </a:t>
+            </a:r>
+            <a:r>
+              <a:rPr lang="en-US" sz="1400" dirty="0" smtClean="0"/>
+              <a:t>“Pulse </a:t>
+            </a:r>
+            <a:r>
+              <a:rPr lang="en-US" sz="1400" dirty="0"/>
+              <a:t>shaping techniques for testing brittle materials with a split </a:t>
+            </a:r>
+            <a:r>
+              <a:rPr lang="en-US" sz="1400" dirty="0" smtClean="0"/>
+              <a:t>Hopkinson </a:t>
+            </a:r>
+            <a:r>
+              <a:rPr lang="en-US" sz="1400" dirty="0"/>
+              <a:t>pressure bar," </a:t>
+            </a:r>
+            <a:r>
+              <a:rPr lang="en-US" sz="1400" dirty="0" smtClean="0"/>
+              <a:t>Experimental Mechanics, </a:t>
+            </a:r>
+            <a:r>
+              <a:rPr lang="en-US" sz="1400" dirty="0"/>
+              <a:t>vol. 42, pp. </a:t>
+            </a:r>
+            <a:r>
+              <a:rPr lang="en-US" sz="1400" dirty="0" smtClean="0"/>
+              <a:t>93(106), </a:t>
+            </a:r>
+            <a:r>
+              <a:rPr lang="en-US" sz="1400" dirty="0"/>
+              <a:t>2002.</a:t>
+            </a:r>
+          </a:p>
+          <a:p>
+            <a:endParaRPr lang="en-US" sz="1400" dirty="0"/>
+          </a:p>
+          <a:p>
+            <a:r>
+              <a:rPr lang="en-US" sz="1400" dirty="0" smtClean="0"/>
+              <a:t>[7] </a:t>
+            </a:r>
+            <a:r>
+              <a:rPr lang="en-US" sz="1400" dirty="0"/>
+              <a:t>P. Follansbee and C. Frantz, </a:t>
+            </a:r>
+            <a:r>
+              <a:rPr lang="en-US" sz="1400" dirty="0" smtClean="0"/>
+              <a:t>“Wave </a:t>
+            </a:r>
+            <a:r>
+              <a:rPr lang="en-US" sz="1400" dirty="0"/>
+              <a:t>propagation in the split </a:t>
+            </a:r>
+            <a:r>
+              <a:rPr lang="en-US" sz="1400" dirty="0" smtClean="0"/>
+              <a:t>Hopkinson </a:t>
+            </a:r>
+            <a:r>
+              <a:rPr lang="en-US" sz="1400" dirty="0"/>
+              <a:t>pressure bar," </a:t>
+            </a:r>
+            <a:r>
+              <a:rPr lang="en-US" sz="1400" dirty="0" smtClean="0"/>
+              <a:t>Transactions </a:t>
+            </a:r>
+            <a:r>
+              <a:rPr lang="en-US" sz="1400" dirty="0"/>
+              <a:t>of the ASME, vol. 105, pp. 93{106, 1983.</a:t>
+            </a:r>
+          </a:p>
+          <a:p>
+            <a:endParaRPr lang="en-US" sz="1600" dirty="0"/>
           </a:p>
         </p:txBody>
       </p:sp>
@@ -6633,157 +6768,6 @@
           </a:prstGeom>
         </p:spPr>
       </p:pic>
-      <mc:AlternateContent xmlns:mc="http://schemas.openxmlformats.org/markup-compatibility/2006" xmlns:a14="http://schemas.microsoft.com/office/drawing/2010/main">
-        <mc:Choice Requires="a14">
-          <p:sp>
-            <p:nvSpPr>
-              <p:cNvPr id="13" name="TextBox 12">
-                <a:extLst>
-                  <a:ext uri="{FF2B5EF4-FFF2-40B4-BE49-F238E27FC236}">
-                    <a16:creationId xmlns:a16="http://schemas.microsoft.com/office/drawing/2014/main" id="{6A2F03D5-E79D-4A44-A36D-8FF0FFABC9B3}"/>
-                  </a:ext>
-                </a:extLst>
-              </p:cNvPr>
-              <p:cNvSpPr txBox="1"/>
-              <p:nvPr/>
-            </p:nvSpPr>
-            <p:spPr>
-              <a:xfrm>
-                <a:off x="780587" y="2188969"/>
-                <a:ext cx="1457564" cy="1166794"/>
-              </a:xfrm>
-              <a:prstGeom prst="rect">
-                <a:avLst/>
-              </a:prstGeom>
-              <a:noFill/>
-            </p:spPr>
-            <p:txBody>
-              <a:bodyPr wrap="square" rtlCol="0">
-                <a:spAutoFit/>
-              </a:bodyPr>
-              <a:lstStyle/>
-              <a:p>
-                <a:pPr/>
-                <a14:m>
-                  <m:oMathPara xmlns:m="http://schemas.openxmlformats.org/officeDocument/2006/math">
-                    <m:oMathParaPr>
-                      <m:jc m:val="centerGroup"/>
-                    </m:oMathParaPr>
-                    <m:oMath xmlns:m="http://schemas.openxmlformats.org/officeDocument/2006/math">
-                      <m:r>
-                        <m:rPr>
-                          <m:sty m:val="p"/>
-                        </m:rPr>
-                        <a:rPr lang="el-GR" i="1" smtClean="0">
-                          <a:latin typeface="Cambria Math" panose="02040503050406030204" pitchFamily="18" charset="0"/>
-                        </a:rPr>
-                        <m:t>σ</m:t>
-                      </m:r>
-                      <m:r>
-                        <a:rPr lang="en-US" b="0" i="0" smtClean="0">
-                          <a:latin typeface="Cambria Math" panose="02040503050406030204" pitchFamily="18" charset="0"/>
-                        </a:rPr>
-                        <m:t>= </m:t>
-                      </m:r>
-                      <m:f>
-                        <m:fPr>
-                          <m:ctrlPr>
-                            <a:rPr lang="en-US" b="0" i="1" smtClean="0">
-                              <a:latin typeface="Cambria Math" panose="02040503050406030204" pitchFamily="18" charset="0"/>
-                            </a:rPr>
-                          </m:ctrlPr>
-                        </m:fPr>
-                        <m:num>
-                          <m:r>
-                            <a:rPr lang="en-US" b="0" i="1" smtClean="0">
-                              <a:latin typeface="Cambria Math" panose="02040503050406030204" pitchFamily="18" charset="0"/>
-                            </a:rPr>
-                            <m:t>2</m:t>
-                          </m:r>
-                          <m:r>
-                            <a:rPr lang="en-US" b="0" i="1" smtClean="0">
-                              <a:latin typeface="Cambria Math" panose="02040503050406030204" pitchFamily="18" charset="0"/>
-                            </a:rPr>
-                            <m:t>𝑃</m:t>
-                          </m:r>
-                        </m:num>
-                        <m:den>
-                          <m:r>
-                            <m:rPr>
-                              <m:sty m:val="p"/>
-                            </m:rPr>
-                            <a:rPr lang="el-GR" b="0" i="1" smtClean="0">
-                              <a:latin typeface="Cambria Math" panose="02040503050406030204" pitchFamily="18" charset="0"/>
-                            </a:rPr>
-                            <m:t>π</m:t>
-                          </m:r>
-                          <m:r>
-                            <a:rPr lang="en-US" b="0" i="1" smtClean="0">
-                              <a:latin typeface="Cambria Math" panose="02040503050406030204" pitchFamily="18" charset="0"/>
-                            </a:rPr>
-                            <m:t>𝐷𝑡</m:t>
-                          </m:r>
-                        </m:den>
-                      </m:f>
-                    </m:oMath>
-                  </m:oMathPara>
-                </a14:m>
-                <a:endParaRPr lang="en-US" dirty="0"/>
-              </a:p>
-              <a:p>
-                <a:endParaRPr lang="en-US" dirty="0"/>
-              </a:p>
-              <a:p>
-                <a:endParaRPr lang="en-US" dirty="0"/>
-              </a:p>
-            </p:txBody>
-          </p:sp>
-        </mc:Choice>
-        <mc:Fallback xmlns="">
-          <p:sp>
-            <p:nvSpPr>
-              <p:cNvPr id="13" name="TextBox 12">
-                <a:extLst>
-                  <a:ext uri="{FF2B5EF4-FFF2-40B4-BE49-F238E27FC236}">
-                    <a16:creationId xmlns:a16="http://schemas.microsoft.com/office/drawing/2014/main" id="{6A2F03D5-E79D-4A44-A36D-8FF0FFABC9B3}"/>
-                  </a:ext>
-                </a:extLst>
-              </p:cNvPr>
-              <p:cNvSpPr txBox="1">
-                <a:spLocks noRot="1" noChangeAspect="1" noMove="1" noResize="1" noEditPoints="1" noAdjustHandles="1" noChangeArrowheads="1" noChangeShapeType="1" noTextEdit="1"/>
-              </p:cNvSpPr>
-              <p:nvPr/>
-            </p:nvSpPr>
-            <p:spPr>
-              <a:xfrm>
-                <a:off x="780587" y="2188969"/>
-                <a:ext cx="1457564" cy="1166794"/>
-              </a:xfrm>
-              <a:prstGeom prst="rect">
-                <a:avLst/>
-              </a:prstGeom>
-              <a:blipFill>
-                <a:blip r:embed="rId3"/>
-                <a:stretch>
-                  <a:fillRect/>
-                </a:stretch>
-              </a:blipFill>
-            </p:spPr>
-            <p:txBody>
-              <a:bodyPr/>
-              <a:lstStyle/>
-              <a:p>
-                <a:r>
-                  <a:rPr lang="en-US">
-                    <a:noFill/>
-                  </a:rPr>
-                  <a:t> </a:t>
-                </a:r>
-              </a:p>
-            </p:txBody>
-          </p:sp>
-        </mc:Fallback>
-      </mc:AlternateContent>
       <p:sp>
         <p:nvSpPr>
           <p:cNvPr id="3" name="Oval 2">
@@ -6859,8 +6843,12 @@
           <a:lstStyle/>
           <a:p>
             <a:r>
+              <a:rPr lang="en-US" i="1" dirty="0"/>
+              <a:t>t</a:t>
+            </a:r>
+            <a:r>
               <a:rPr lang="en-US" dirty="0"/>
-              <a:t>t = thickness of specimen</a:t>
+              <a:t> = thickness of specimen</a:t>
             </a:r>
           </a:p>
           <a:p>
@@ -7185,6 +7173,36 @@
           </a:p>
         </p:txBody>
       </p:sp>
+      <p:pic>
+        <p:nvPicPr>
+          <p:cNvPr id="4" name="Picture 3"/>
+          <p:cNvPicPr>
+            <a:picLocks noChangeAspect="1"/>
+          </p:cNvPicPr>
+          <p:nvPr/>
+        </p:nvPicPr>
+        <p:blipFill>
+          <a:blip r:embed="rId3">
+            <a:extLst>
+              <a:ext uri="{28A0092B-C50C-407E-A947-70E740481C1C}">
+                <a14:useLocalDpi xmlns:a14="http://schemas.microsoft.com/office/drawing/2010/main" val="0"/>
+              </a:ext>
+            </a:extLst>
+          </a:blip>
+          <a:stretch>
+            <a:fillRect/>
+          </a:stretch>
+        </p:blipFill>
+        <p:spPr>
+          <a:xfrm>
+            <a:off x="1509370" y="2273441"/>
+            <a:ext cx="1259468" cy="767131"/>
+          </a:xfrm>
+          <a:prstGeom prst="rect">
+            <a:avLst/>
+          </a:prstGeom>
+        </p:spPr>
+      </p:pic>
     </p:spTree>
     <p:extLst>
       <p:ext uri="{BB962C8B-B14F-4D97-AF65-F5344CB8AC3E}">
@@ -7215,6 +7233,66 @@
           <a:chExt cx="0" cy="0"/>
         </a:xfrm>
       </p:grpSpPr>
+      <p:pic>
+        <p:nvPicPr>
+          <p:cNvPr id="3" name="Picture 2"/>
+          <p:cNvPicPr>
+            <a:picLocks noChangeAspect="1"/>
+          </p:cNvPicPr>
+          <p:nvPr/>
+        </p:nvPicPr>
+        <p:blipFill>
+          <a:blip r:embed="rId2">
+            <a:extLst>
+              <a:ext uri="{28A0092B-C50C-407E-A947-70E740481C1C}">
+                <a14:useLocalDpi xmlns:a14="http://schemas.microsoft.com/office/drawing/2010/main" val="0"/>
+              </a:ext>
+            </a:extLst>
+          </a:blip>
+          <a:stretch>
+            <a:fillRect/>
+          </a:stretch>
+        </p:blipFill>
+        <p:spPr>
+          <a:xfrm>
+            <a:off x="804550" y="4158963"/>
+            <a:ext cx="4073787" cy="2216898"/>
+          </a:xfrm>
+          <a:prstGeom prst="rect">
+            <a:avLst/>
+          </a:prstGeom>
+        </p:spPr>
+      </p:pic>
+      <p:pic>
+        <p:nvPicPr>
+          <p:cNvPr id="2" name="Picture 1"/>
+          <p:cNvPicPr>
+            <a:picLocks noChangeAspect="1"/>
+          </p:cNvPicPr>
+          <p:nvPr/>
+        </p:nvPicPr>
+        <p:blipFill>
+          <a:blip r:embed="rId3" cstate="print">
+            <a:extLst>
+              <a:ext uri="{28A0092B-C50C-407E-A947-70E740481C1C}">
+                <a14:useLocalDpi xmlns:a14="http://schemas.microsoft.com/office/drawing/2010/main" val="0"/>
+              </a:ext>
+            </a:extLst>
+          </a:blip>
+          <a:stretch>
+            <a:fillRect/>
+          </a:stretch>
+        </p:blipFill>
+        <p:spPr>
+          <a:xfrm>
+            <a:off x="6640082" y="3489749"/>
+            <a:ext cx="2316435" cy="2886112"/>
+          </a:xfrm>
+          <a:prstGeom prst="rect">
+            <a:avLst/>
+          </a:prstGeom>
+        </p:spPr>
+      </p:pic>
       <p:sp>
         <p:nvSpPr>
           <p:cNvPr id="6" name="Rectangle 5"/>
@@ -7479,7 +7557,7 @@
           <p:nvPr/>
         </p:nvPicPr>
         <p:blipFill>
-          <a:blip r:embed="rId2" cstate="print">
+          <a:blip r:embed="rId4" cstate="print">
             <a:extLst>
               <a:ext uri="{28A0092B-C50C-407E-A947-70E740481C1C}">
                 <a14:useLocalDpi xmlns:a14="http://schemas.microsoft.com/office/drawing/2010/main" val="0"/>
@@ -7608,7 +7686,11 @@
             </a:pPr>
             <a:r>
               <a:rPr lang="en-US" dirty="0"/>
-              <a:t>Record made of both incident and transmitted pulses [2]</a:t>
+              <a:t>Record made of both incident and transmitted pulses </a:t>
+            </a:r>
+            <a:r>
+              <a:rPr lang="en-US" sz="1400" dirty="0"/>
+              <a:t>[2]</a:t>
             </a:r>
           </a:p>
           <a:p>
@@ -7656,6 +7738,66 @@
               </a:rPr>
               <a:t>Introduction: Split Hopkinson Pressure Bar</a:t>
             </a:r>
+          </a:p>
+        </p:txBody>
+      </p:sp>
+      <p:sp>
+        <p:nvSpPr>
+          <p:cNvPr id="7" name="TextBox 6"/>
+          <p:cNvSpPr txBox="1"/>
+          <p:nvPr/>
+        </p:nvSpPr>
+        <p:spPr>
+          <a:xfrm>
+            <a:off x="4986172" y="6048878"/>
+            <a:ext cx="495656" cy="307777"/>
+          </a:xfrm>
+          <a:prstGeom prst="rect">
+            <a:avLst/>
+          </a:prstGeom>
+          <a:noFill/>
+        </p:spPr>
+        <p:txBody>
+          <a:bodyPr wrap="square" rtlCol="0">
+            <a:spAutoFit/>
+          </a:bodyPr>
+          <a:lstStyle/>
+          <a:p>
+            <a:r>
+              <a:rPr lang="en-US" sz="1400" dirty="0" smtClean="0"/>
+              <a:t>[3]</a:t>
+            </a:r>
+            <a:endParaRPr lang="en-US" sz="1400" dirty="0"/>
+          </a:p>
+        </p:txBody>
+      </p:sp>
+      <p:sp>
+        <p:nvSpPr>
+          <p:cNvPr id="16" name="TextBox 15"/>
+          <p:cNvSpPr txBox="1"/>
+          <p:nvPr/>
+        </p:nvSpPr>
+        <p:spPr>
+          <a:xfrm>
+            <a:off x="8803917" y="6048878"/>
+            <a:ext cx="495656" cy="307777"/>
+          </a:xfrm>
+          <a:prstGeom prst="rect">
+            <a:avLst/>
+          </a:prstGeom>
+          <a:noFill/>
+        </p:spPr>
+        <p:txBody>
+          <a:bodyPr wrap="square" rtlCol="0">
+            <a:spAutoFit/>
+          </a:bodyPr>
+          <a:lstStyle/>
+          <a:p>
+            <a:r>
+              <a:rPr lang="en-US" sz="1400" dirty="0" smtClean="0"/>
+              <a:t>[3]</a:t>
+            </a:r>
+            <a:endParaRPr lang="en-US" sz="1400" dirty="0"/>
           </a:p>
         </p:txBody>
       </p:sp>
@@ -7909,8 +8051,8 @@
         </p:nvSpPr>
         <p:spPr>
           <a:xfrm>
-            <a:off x="448887" y="1354975"/>
-            <a:ext cx="8254539" cy="2308324"/>
+            <a:off x="935424" y="1290544"/>
+            <a:ext cx="7261913" cy="2308324"/>
           </a:xfrm>
           <a:prstGeom prst="rect">
             <a:avLst/>
@@ -8218,13 +8360,7 @@
       </p:grpSpPr>
       <p:pic>
         <p:nvPicPr>
-          <p:cNvPr id="7" name="Picture 6">
-            <a:extLst>
-              <a:ext uri="{FF2B5EF4-FFF2-40B4-BE49-F238E27FC236}">
-                <a16:creationId xmlns:a16="http://schemas.microsoft.com/office/drawing/2014/main" id="{75123468-BE69-48B6-BD55-DAF592899A29}"/>
-              </a:ext>
-            </a:extLst>
-          </p:cNvPr>
+          <p:cNvPr id="3" name="Picture 2"/>
           <p:cNvPicPr>
             <a:picLocks noChangeAspect="1"/>
           </p:cNvPicPr>
@@ -8244,8 +8380,8 @@
         </p:blipFill>
         <p:spPr>
           <a:xfrm>
-            <a:off x="1241122" y="5118103"/>
-            <a:ext cx="6703136" cy="944491"/>
+            <a:off x="1487598" y="5157107"/>
+            <a:ext cx="6168803" cy="792586"/>
           </a:xfrm>
           <a:prstGeom prst="rect">
             <a:avLst/>
@@ -8473,7 +8609,7 @@
         <p:spPr>
           <a:xfrm>
             <a:off x="243407" y="1332198"/>
-            <a:ext cx="4851975" cy="3600986"/>
+            <a:ext cx="4851975" cy="3908762"/>
           </a:xfrm>
           <a:prstGeom prst="rect">
             <a:avLst/>
@@ -8499,7 +8635,7 @@
               <a:buChar char="•"/>
             </a:pPr>
             <a:r>
-              <a:rPr lang="en-US" sz="1600" dirty="0"/>
+              <a:rPr lang="en-US" dirty="0"/>
               <a:t>Addition of a material between the incident and striker bar – lead, plastic, paper, etc.</a:t>
             </a:r>
           </a:p>
@@ -8509,7 +8645,7 @@
               <a:buChar char="•"/>
             </a:pPr>
             <a:r>
-              <a:rPr lang="en-US" sz="1600" dirty="0"/>
+              <a:rPr lang="en-US" dirty="0"/>
               <a:t>Creates a mechanical filter that reduces frequency content of the impulse wave(s).</a:t>
             </a:r>
           </a:p>
@@ -8519,7 +8655,7 @@
               <a:buChar char="•"/>
             </a:pPr>
             <a:r>
-              <a:rPr lang="en-US" sz="1600" dirty="0"/>
+              <a:rPr lang="en-US" dirty="0"/>
               <a:t>Pulse shaper material depends on SHPB and specimen materials</a:t>
             </a:r>
           </a:p>
@@ -8529,9 +8665,14 @@
               <a:buChar char="•"/>
             </a:pPr>
             <a:r>
-              <a:rPr lang="en-US" sz="1600" dirty="0"/>
-              <a:t>Pulse shaped signal should mimic material response of specimen [3]</a:t>
-            </a:r>
+              <a:rPr lang="en-US" dirty="0"/>
+              <a:t>Pulse shaped signal should mimic material response of specimen </a:t>
+            </a:r>
+            <a:r>
+              <a:rPr lang="en-US" sz="1400" dirty="0" smtClean="0"/>
+              <a:t>[6]</a:t>
+            </a:r>
+            <a:endParaRPr lang="en-US" sz="1400" dirty="0"/>
           </a:p>
           <a:p>
             <a:pPr marL="1200150" lvl="2" indent="-285750">
@@ -8710,7 +8851,7 @@
         <p:spPr>
           <a:xfrm>
             <a:off x="319607" y="4691626"/>
-            <a:ext cx="8233843" cy="861774"/>
+            <a:ext cx="8233843" cy="1107996"/>
           </a:xfrm>
           <a:prstGeom prst="rect">
             <a:avLst/>
@@ -8735,9 +8876,14 @@
               <a:buChar char="•"/>
             </a:pPr>
             <a:r>
-              <a:rPr lang="en-US" sz="1600" dirty="0"/>
-              <a:t>Utilize non-linear curve fitting and Fourier series to correct for dispersion [4]</a:t>
-            </a:r>
+              <a:rPr lang="en-US" dirty="0"/>
+              <a:t>Utilize non-linear curve fitting and Fourier series to correct for dispersion </a:t>
+            </a:r>
+            <a:r>
+              <a:rPr lang="en-US" sz="1400" dirty="0" smtClean="0"/>
+              <a:t>[7]</a:t>
+            </a:r>
+            <a:endParaRPr lang="en-US" sz="1400" dirty="0"/>
           </a:p>
           <a:p>
             <a:pPr lvl="2"/>
@@ -8745,6 +8891,36 @@
               <a:rPr lang="en-US" sz="1600" dirty="0"/>
               <a:t> </a:t>
             </a:r>
+          </a:p>
+        </p:txBody>
+      </p:sp>
+      <p:sp>
+        <p:nvSpPr>
+          <p:cNvPr id="19" name="TextBox 18"/>
+          <p:cNvSpPr txBox="1"/>
+          <p:nvPr/>
+        </p:nvSpPr>
+        <p:spPr>
+          <a:xfrm>
+            <a:off x="7484773" y="5408663"/>
+            <a:ext cx="495656" cy="307777"/>
+          </a:xfrm>
+          <a:prstGeom prst="rect">
+            <a:avLst/>
+          </a:prstGeom>
+          <a:noFill/>
+        </p:spPr>
+        <p:txBody>
+          <a:bodyPr wrap="square" rtlCol="0">
+            <a:spAutoFit/>
+          </a:bodyPr>
+          <a:lstStyle/>
+          <a:p>
+            <a:r>
+              <a:rPr lang="en-US" sz="1400" dirty="0" smtClean="0"/>
+              <a:t>[3]</a:t>
+            </a:r>
+            <a:endParaRPr lang="en-US" sz="1400" dirty="0"/>
           </a:p>
         </p:txBody>
       </p:sp>
@@ -8778,6 +8954,36 @@
           <a:chExt cx="0" cy="0"/>
         </a:xfrm>
       </p:grpSpPr>
+      <p:pic>
+        <p:nvPicPr>
+          <p:cNvPr id="3" name="Picture 2"/>
+          <p:cNvPicPr>
+            <a:picLocks noChangeAspect="1"/>
+          </p:cNvPicPr>
+          <p:nvPr/>
+        </p:nvPicPr>
+        <p:blipFill>
+          <a:blip r:embed="rId2">
+            <a:extLst>
+              <a:ext uri="{28A0092B-C50C-407E-A947-70E740481C1C}">
+                <a14:useLocalDpi xmlns:a14="http://schemas.microsoft.com/office/drawing/2010/main" val="0"/>
+              </a:ext>
+            </a:extLst>
+          </a:blip>
+          <a:stretch>
+            <a:fillRect/>
+          </a:stretch>
+        </p:blipFill>
+        <p:spPr>
+          <a:xfrm>
+            <a:off x="847626" y="2876551"/>
+            <a:ext cx="2926257" cy="1116942"/>
+          </a:xfrm>
+          <a:prstGeom prst="rect">
+            <a:avLst/>
+          </a:prstGeom>
+        </p:spPr>
+      </p:pic>
       <p:sp>
         <p:nvSpPr>
           <p:cNvPr id="6" name="Rectangle 5"/>
@@ -8998,8 +9204,8 @@
         </p:nvSpPr>
         <p:spPr>
           <a:xfrm>
-            <a:off x="448887" y="1354975"/>
-            <a:ext cx="8254539" cy="1754326"/>
+            <a:off x="444730" y="1253053"/>
+            <a:ext cx="8254539" cy="1477328"/>
           </a:xfrm>
           <a:prstGeom prst="rect">
             <a:avLst/>
@@ -9038,18 +9244,13 @@
             </a:pPr>
             <a:r>
               <a:rPr lang="en-US" dirty="0"/>
-              <a:t>Force equilibrium can then be determined by converting voltages to strain.</a:t>
-            </a:r>
-          </a:p>
-          <a:p>
-            <a:pPr marL="285750" indent="-285750">
-              <a:buFont typeface="Arial" panose="020B0604020202020204" pitchFamily="34" charset="0"/>
-              <a:buChar char="•"/>
-            </a:pPr>
-            <a:r>
-              <a:rPr lang="en-US" dirty="0"/>
-              <a:t>INSERT FORCE EQUATIONS</a:t>
-            </a:r>
+              <a:t>Force equilibrium can then be determined by converting voltages to strain</a:t>
+            </a:r>
+            <a:r>
+              <a:rPr lang="en-US" dirty="0" smtClean="0"/>
+              <a:t>.</a:t>
+            </a:r>
+            <a:endParaRPr lang="en-US" dirty="0"/>
           </a:p>
         </p:txBody>
       </p:sp>
@@ -9138,7 +9339,7 @@
           <p:nvPr/>
         </p:nvPicPr>
         <p:blipFill>
-          <a:blip r:embed="rId2" cstate="print">
+          <a:blip r:embed="rId3" cstate="print">
             <a:extLst>
               <a:ext uri="{28A0092B-C50C-407E-A947-70E740481C1C}">
                 <a14:useLocalDpi xmlns:a14="http://schemas.microsoft.com/office/drawing/2010/main" val="0"/>
@@ -9174,7 +9375,7 @@
           <p:nvPr/>
         </p:nvPicPr>
         <p:blipFill>
-          <a:blip r:embed="rId3">
+          <a:blip r:embed="rId4">
             <a:extLst>
               <a:ext uri="{28A0092B-C50C-407E-A947-70E740481C1C}">
                 <a14:useLocalDpi xmlns:a14="http://schemas.microsoft.com/office/drawing/2010/main" val="0"/>
@@ -9210,7 +9411,7 @@
           <p:nvPr/>
         </p:nvPicPr>
         <p:blipFill>
-          <a:blip r:embed="rId4">
+          <a:blip r:embed="rId5">
             <a:extLst>
               <a:ext uri="{28A0092B-C50C-407E-A947-70E740481C1C}">
                 <a14:useLocalDpi xmlns:a14="http://schemas.microsoft.com/office/drawing/2010/main" val="0"/>
@@ -10298,240 +10499,44 @@
           </a:prstGeom>
         </p:spPr>
       </p:pic>
-      <mc:AlternateContent xmlns:mc="http://schemas.openxmlformats.org/markup-compatibility/2006" xmlns:a14="http://schemas.microsoft.com/office/drawing/2010/main">
-        <mc:Choice Requires="a14">
-          <p:sp>
-            <p:nvSpPr>
-              <p:cNvPr id="7" name="TextBox 6">
-                <a:extLst>
-                  <a:ext uri="{FF2B5EF4-FFF2-40B4-BE49-F238E27FC236}">
-                    <a16:creationId xmlns:a16="http://schemas.microsoft.com/office/drawing/2014/main" id="{E38E10E0-07C0-47D5-8A9E-8FBA376E903F}"/>
-                  </a:ext>
-                </a:extLst>
-              </p:cNvPr>
-              <p:cNvSpPr txBox="1"/>
-              <p:nvPr/>
-            </p:nvSpPr>
-            <p:spPr>
-              <a:xfrm>
-                <a:off x="448887" y="2610050"/>
-                <a:ext cx="2752725" cy="1028358"/>
-              </a:xfrm>
-              <a:prstGeom prst="rect">
-                <a:avLst/>
-              </a:prstGeom>
-              <a:noFill/>
-            </p:spPr>
-            <p:txBody>
-              <a:bodyPr wrap="square" rtlCol="0">
-                <a:spAutoFit/>
-              </a:bodyPr>
-              <a:lstStyle/>
-              <a:p>
-                <a:r>
-                  <a:rPr lang="en-US" dirty="0"/>
-                  <a:t>Weibull Analysis:</a:t>
-                </a:r>
-              </a:p>
-              <a:p>
-                <a:endParaRPr lang="en-US" dirty="0"/>
-              </a:p>
-              <a:p>
-                <a:pPr/>
-                <a14:m>
-                  <m:oMathPara xmlns:m="http://schemas.openxmlformats.org/officeDocument/2006/math">
-                    <m:oMathParaPr>
-                      <m:jc m:val="centerGroup"/>
-                    </m:oMathParaPr>
-                    <m:oMath xmlns:m="http://schemas.openxmlformats.org/officeDocument/2006/math">
-                      <m:r>
-                        <a:rPr lang="en-US" b="0" i="1" smtClean="0">
-                          <a:latin typeface="Cambria Math" panose="02040503050406030204" pitchFamily="18" charset="0"/>
-                        </a:rPr>
-                        <m:t>𝑝</m:t>
-                      </m:r>
-                      <m:d>
-                        <m:dPr>
-                          <m:ctrlPr>
-                            <a:rPr lang="en-US" b="0" i="1" smtClean="0">
-                              <a:latin typeface="Cambria Math" panose="02040503050406030204" pitchFamily="18" charset="0"/>
-                            </a:rPr>
-                          </m:ctrlPr>
-                        </m:dPr>
-                        <m:e>
-                          <m:r>
-                            <a:rPr lang="en-US" b="0" i="1" smtClean="0">
-                              <a:latin typeface="Cambria Math" panose="02040503050406030204" pitchFamily="18" charset="0"/>
-                            </a:rPr>
-                            <m:t>𝑥</m:t>
-                          </m:r>
-                        </m:e>
-                      </m:d>
-                      <m:r>
-                        <a:rPr lang="en-US" b="0" i="1" smtClean="0">
-                          <a:latin typeface="Cambria Math" panose="02040503050406030204" pitchFamily="18" charset="0"/>
-                        </a:rPr>
-                        <m:t>=1−</m:t>
-                      </m:r>
-                      <m:sSup>
-                        <m:sSupPr>
-                          <m:ctrlPr>
-                            <a:rPr lang="en-US" b="0" i="1" smtClean="0">
-                              <a:latin typeface="Cambria Math" panose="02040503050406030204" pitchFamily="18" charset="0"/>
-                            </a:rPr>
-                          </m:ctrlPr>
-                        </m:sSupPr>
-                        <m:e>
-                          <m:r>
-                            <a:rPr lang="en-US" b="0" i="1" smtClean="0">
-                              <a:latin typeface="Cambria Math" panose="02040503050406030204" pitchFamily="18" charset="0"/>
-                            </a:rPr>
-                            <m:t>𝑒</m:t>
-                          </m:r>
-                        </m:e>
-                        <m:sup>
-                          <m:sSup>
-                            <m:sSupPr>
-                              <m:ctrlPr>
-                                <a:rPr lang="en-US" b="0" i="1" smtClean="0">
-                                  <a:latin typeface="Cambria Math" panose="02040503050406030204" pitchFamily="18" charset="0"/>
-                                </a:rPr>
-                              </m:ctrlPr>
-                            </m:sSupPr>
-                            <m:e>
-                              <m:r>
-                                <a:rPr lang="en-US" b="0" i="1" smtClean="0">
-                                  <a:latin typeface="Cambria Math" panose="02040503050406030204" pitchFamily="18" charset="0"/>
-                                </a:rPr>
-                                <m:t>−[</m:t>
-                              </m:r>
-                              <m:f>
-                                <m:fPr>
-                                  <m:ctrlPr>
-                                    <a:rPr lang="en-US" b="0" i="1" smtClean="0">
-                                      <a:latin typeface="Cambria Math" panose="02040503050406030204" pitchFamily="18" charset="0"/>
-                                    </a:rPr>
-                                  </m:ctrlPr>
-                                </m:fPr>
-                                <m:num>
-                                  <m:r>
-                                    <a:rPr lang="en-US" b="0" i="1" smtClean="0">
-                                      <a:latin typeface="Cambria Math" panose="02040503050406030204" pitchFamily="18" charset="0"/>
-                                    </a:rPr>
-                                    <m:t>𝑥</m:t>
-                                  </m:r>
-                                  <m:r>
-                                    <a:rPr lang="en-US" b="0" i="1" smtClean="0">
-                                      <a:latin typeface="Cambria Math" panose="02040503050406030204" pitchFamily="18" charset="0"/>
-                                    </a:rPr>
-                                    <m:t>−</m:t>
-                                  </m:r>
-                                  <m:sSub>
-                                    <m:sSubPr>
-                                      <m:ctrlPr>
-                                        <a:rPr lang="en-US" b="0" i="1" smtClean="0">
-                                          <a:latin typeface="Cambria Math" panose="02040503050406030204" pitchFamily="18" charset="0"/>
-                                        </a:rPr>
-                                      </m:ctrlPr>
-                                    </m:sSubPr>
-                                    <m:e>
-                                      <m:r>
-                                        <a:rPr lang="en-US" b="0" i="1" smtClean="0">
-                                          <a:latin typeface="Cambria Math" panose="02040503050406030204" pitchFamily="18" charset="0"/>
-                                        </a:rPr>
-                                        <m:t>𝑥</m:t>
-                                      </m:r>
-                                    </m:e>
-                                    <m:sub>
-                                      <m:r>
-                                        <a:rPr lang="en-US" b="0" i="1" smtClean="0">
-                                          <a:latin typeface="Cambria Math" panose="02040503050406030204" pitchFamily="18" charset="0"/>
-                                        </a:rPr>
-                                        <m:t>𝑜</m:t>
-                                      </m:r>
-                                    </m:sub>
-                                  </m:sSub>
-                                </m:num>
-                                <m:den>
-                                  <m:r>
-                                    <a:rPr lang="en-US" b="0" i="1" smtClean="0">
-                                      <a:latin typeface="Cambria Math" panose="02040503050406030204" pitchFamily="18" charset="0"/>
-                                    </a:rPr>
-                                    <m:t>𝑏</m:t>
-                                  </m:r>
-                                </m:den>
-                              </m:f>
-                              <m:r>
-                                <a:rPr lang="en-US" b="0" i="1" smtClean="0">
-                                  <a:latin typeface="Cambria Math" panose="02040503050406030204" pitchFamily="18" charset="0"/>
-                                </a:rPr>
-                                <m:t>]</m:t>
-                              </m:r>
-                            </m:e>
-                            <m:sup>
-                              <m:r>
-                                <a:rPr lang="en-US" b="0" i="1" smtClean="0">
-                                  <a:latin typeface="Cambria Math" panose="02040503050406030204" pitchFamily="18" charset="0"/>
-                                </a:rPr>
-                                <m:t>𝑚</m:t>
-                              </m:r>
-                            </m:sup>
-                          </m:sSup>
-                        </m:sup>
-                      </m:sSup>
-                    </m:oMath>
-                  </m:oMathPara>
-                </a14:m>
-                <a:endParaRPr lang="en-US" dirty="0"/>
-              </a:p>
-            </p:txBody>
-          </p:sp>
-        </mc:Choice>
-        <mc:Fallback xmlns="">
-          <p:sp>
-            <p:nvSpPr>
-              <p:cNvPr id="7" name="TextBox 6">
-                <a:extLst>
-                  <a:ext uri="{FF2B5EF4-FFF2-40B4-BE49-F238E27FC236}">
-                    <a16:creationId xmlns:a16="http://schemas.microsoft.com/office/drawing/2014/main" id="{E38E10E0-07C0-47D5-8A9E-8FBA376E903F}"/>
-                  </a:ext>
-                </a:extLst>
-              </p:cNvPr>
-              <p:cNvSpPr txBox="1">
-                <a:spLocks noRot="1" noChangeAspect="1" noMove="1" noResize="1" noEditPoints="1" noAdjustHandles="1" noChangeArrowheads="1" noChangeShapeType="1" noTextEdit="1"/>
-              </p:cNvSpPr>
-              <p:nvPr/>
-            </p:nvSpPr>
-            <p:spPr>
-              <a:xfrm>
-                <a:off x="448887" y="2610050"/>
-                <a:ext cx="2752725" cy="1028358"/>
-              </a:xfrm>
-              <a:prstGeom prst="rect">
-                <a:avLst/>
-              </a:prstGeom>
-              <a:blipFill>
-                <a:blip r:embed="rId4"/>
-                <a:stretch>
-                  <a:fillRect l="-1996" t="-2959"/>
-                </a:stretch>
-              </a:blipFill>
-            </p:spPr>
-            <p:txBody>
-              <a:bodyPr/>
-              <a:lstStyle/>
-              <a:p>
-                <a:r>
-                  <a:rPr lang="en-US">
-                    <a:noFill/>
-                  </a:rPr>
-                  <a:t> </a:t>
-                </a:r>
-              </a:p>
-            </p:txBody>
-          </p:sp>
-        </mc:Fallback>
-      </mc:AlternateContent>
+      <p:sp>
+        <p:nvSpPr>
+          <p:cNvPr id="7" name="TextBox 6">
+            <a:extLst>
+              <a:ext uri="{FF2B5EF4-FFF2-40B4-BE49-F238E27FC236}">
+                <a16:creationId xmlns:a16="http://schemas.microsoft.com/office/drawing/2014/main" id="{E38E10E0-07C0-47D5-8A9E-8FBA376E903F}"/>
+              </a:ext>
+            </a:extLst>
+          </p:cNvPr>
+          <p:cNvSpPr txBox="1"/>
+          <p:nvPr/>
+        </p:nvSpPr>
+        <p:spPr>
+          <a:xfrm>
+            <a:off x="448887" y="2610050"/>
+            <a:ext cx="2752725" cy="646331"/>
+          </a:xfrm>
+          <a:prstGeom prst="rect">
+            <a:avLst/>
+          </a:prstGeom>
+          <a:noFill/>
+        </p:spPr>
+        <p:txBody>
+          <a:bodyPr wrap="square" rtlCol="0">
+            <a:spAutoFit/>
+          </a:bodyPr>
+          <a:lstStyle/>
+          <a:p>
+            <a:r>
+              <a:rPr lang="en-US" dirty="0"/>
+              <a:t>Weibull Analysis:</a:t>
+            </a:r>
+          </a:p>
+          <a:p>
+            <a:endParaRPr lang="en-US" dirty="0"/>
+          </a:p>
+        </p:txBody>
+      </p:sp>
       <p:sp>
         <p:nvSpPr>
           <p:cNvPr id="10" name="TextBox 9">
@@ -10615,6 +10620,35 @@
           </a:p>
         </p:txBody>
       </p:sp>
+      <p:pic>
+        <p:nvPicPr>
+          <p:cNvPr id="3" name="Picture 2"/>
+          <p:cNvPicPr>
+            <a:picLocks noChangeAspect="1"/>
+          </p:cNvPicPr>
+          <p:nvPr/>
+        </p:nvPicPr>
+        <p:blipFill rotWithShape="1">
+          <a:blip r:embed="rId4">
+            <a:extLst>
+              <a:ext uri="{28A0092B-C50C-407E-A947-70E740481C1C}">
+                <a14:useLocalDpi xmlns:a14="http://schemas.microsoft.com/office/drawing/2010/main" val="0"/>
+              </a:ext>
+            </a:extLst>
+          </a:blip>
+          <a:srcRect r="32703" b="42985"/>
+          <a:stretch/>
+        </p:blipFill>
+        <p:spPr>
+          <a:xfrm>
+            <a:off x="506282" y="3054110"/>
+            <a:ext cx="2371225" cy="745145"/>
+          </a:xfrm>
+          <a:prstGeom prst="rect">
+            <a:avLst/>
+          </a:prstGeom>
+        </p:spPr>
+      </p:pic>
     </p:spTree>
     <p:extLst>
       <p:ext uri="{BB962C8B-B14F-4D97-AF65-F5344CB8AC3E}">
